--- a/Alex/Compton Scattering/Compton Scattering.pptx
+++ b/Alex/Compton Scattering/Compton Scattering.pptx
@@ -1,18 +1,24 @@
 
 <file path=ppt/presentation.xml><?xml version="1.0" encoding="utf-8"?>
-<p:presentation xmlns:a="http://schemas.openxmlformats.org/drawingml/2006/main" xmlns:r="http://schemas.openxmlformats.org/officeDocument/2006/relationships" xmlns:p="http://schemas.openxmlformats.org/presentationml/2006/main" saveSubsetFonts="1">
+<p:presentation xmlns:a="http://schemas.openxmlformats.org/drawingml/2006/main" xmlns:r="http://schemas.openxmlformats.org/officeDocument/2006/relationships" xmlns:mc="http://schemas.openxmlformats.org/markup-compatibility/2006" xmlns:mv="urn:schemas-microsoft-com:mac:vml" xmlns:p="http://schemas.openxmlformats.org/presentationml/2006/main" mc:Ignorable="mv" mc:PreserveAttributes="mv:*" saveSubsetFonts="1">
   <p:sldMasterIdLst>
     <p:sldMasterId id="2147483648" r:id="rId1"/>
   </p:sldMasterIdLst>
   <p:notesMasterIdLst>
-    <p:notesMasterId r:id="rId7"/>
+    <p:notesMasterId r:id="rId13"/>
   </p:notesMasterIdLst>
   <p:sldIdLst>
     <p:sldId id="256" r:id="rId2"/>
-    <p:sldId id="257" r:id="rId3"/>
-    <p:sldId id="258" r:id="rId4"/>
-    <p:sldId id="259" r:id="rId5"/>
-    <p:sldId id="260" r:id="rId6"/>
+    <p:sldId id="261" r:id="rId3"/>
+    <p:sldId id="262" r:id="rId4"/>
+    <p:sldId id="264" r:id="rId5"/>
+    <p:sldId id="257" r:id="rId6"/>
+    <p:sldId id="258" r:id="rId7"/>
+    <p:sldId id="259" r:id="rId8"/>
+    <p:sldId id="265" r:id="rId9"/>
+    <p:sldId id="260" r:id="rId10"/>
+    <p:sldId id="266" r:id="rId11"/>
+    <p:sldId id="267" r:id="rId12"/>
   </p:sldIdLst>
   <p:sldSz cx="9144000" cy="6858000" type="screen4x3"/>
   <p:notesSz cx="6858000" cy="9144000"/>
@@ -115,7 +121,7 @@
 </file>
 
 <file path=ppt/notesMasters/notesMaster1.xml><?xml version="1.0" encoding="utf-8"?>
-<p:notesMaster xmlns:a="http://schemas.openxmlformats.org/drawingml/2006/main" xmlns:r="http://schemas.openxmlformats.org/officeDocument/2006/relationships" xmlns:p="http://schemas.openxmlformats.org/presentationml/2006/main">
+<p:notesMaster xmlns:a="http://schemas.openxmlformats.org/drawingml/2006/main" xmlns:r="http://schemas.openxmlformats.org/officeDocument/2006/relationships" xmlns:mc="http://schemas.openxmlformats.org/markup-compatibility/2006" xmlns:mv="urn:schemas-microsoft-com:mac:vml" xmlns:p="http://schemas.openxmlformats.org/presentationml/2006/main" mc:Ignorable="mv" mc:PreserveAttributes="mv:*">
   <p:cSld>
     <p:bg>
       <p:bgRef idx="1001">
@@ -196,7 +202,8 @@
           <a:p>
             <a:fld id="{6E63FD04-C279-47BB-9BB7-D4FA199D25E8}" type="datetimeFigureOut">
               <a:rPr lang="en-US" smtClean="0"/>
-              <a:t>4/13/2016</a:t>
+              <a:pPr/>
+              <a:t>4/19/16</a:t>
             </a:fld>
             <a:endParaRPr lang="en-US"/>
           </a:p>
@@ -355,6 +362,7 @@
           <a:p>
             <a:fld id="{5602CA8C-51C3-420A-B817-001E3C9005A9}" type="slidenum">
               <a:rPr lang="en-US" smtClean="0"/>
+              <a:pPr/>
               <a:t>‹#›</a:t>
             </a:fld>
             <a:endParaRPr lang="en-US"/>
@@ -364,7 +372,7 @@
     </p:spTree>
     <p:extLst>
       <p:ext uri="{BB962C8B-B14F-4D97-AF65-F5344CB8AC3E}">
-        <p14:creationId xmlns:p14="http://schemas.microsoft.com/office/powerpoint/2010/main" val="189569067"/>
+        <p14:creationId xmlns:p14="http://schemas.microsoft.com/office/powerpoint/2010/main" xmlns:p="http://schemas.openxmlformats.org/presentationml/2006/main" xmlns:r="http://schemas.openxmlformats.org/officeDocument/2006/relationships" xmlns:a="http://schemas.openxmlformats.org/drawingml/2006/main" xmlns="" val="189569067"/>
       </p:ext>
     </p:extLst>
   </p:cSld>
@@ -465,7 +473,7 @@
 </file>
 
 <file path=ppt/notesSlides/notesSlide1.xml><?xml version="1.0" encoding="utf-8"?>
-<p:notes xmlns:a="http://schemas.openxmlformats.org/drawingml/2006/main" xmlns:r="http://schemas.openxmlformats.org/officeDocument/2006/relationships" xmlns:p="http://schemas.openxmlformats.org/presentationml/2006/main">
+<p:notes xmlns:a="http://schemas.openxmlformats.org/drawingml/2006/main" xmlns:r="http://schemas.openxmlformats.org/officeDocument/2006/relationships" xmlns:mc="http://schemas.openxmlformats.org/markup-compatibility/2006" xmlns:mv="urn:schemas-microsoft-com:mac:vml" xmlns:p="http://schemas.openxmlformats.org/presentationml/2006/main" mc:Ignorable="mv" mc:PreserveAttributes="mv:*">
   <p:cSld>
     <p:spTree>
       <p:nvGrpSpPr>
@@ -529,7 +537,8 @@
           <a:p>
             <a:fld id="{5602CA8C-51C3-420A-B817-001E3C9005A9}" type="slidenum">
               <a:rPr lang="en-US" smtClean="0"/>
-              <a:t>5</a:t>
+              <a:pPr/>
+              <a:t>9</a:t>
             </a:fld>
             <a:endParaRPr lang="en-US"/>
           </a:p>
@@ -538,7 +547,7 @@
     </p:spTree>
     <p:extLst>
       <p:ext uri="{BB962C8B-B14F-4D97-AF65-F5344CB8AC3E}">
-        <p14:creationId xmlns:p14="http://schemas.microsoft.com/office/powerpoint/2010/main" val="3679343854"/>
+        <p14:creationId xmlns:p14="http://schemas.microsoft.com/office/powerpoint/2010/main" xmlns:p="http://schemas.openxmlformats.org/presentationml/2006/main" xmlns:r="http://schemas.openxmlformats.org/officeDocument/2006/relationships" xmlns:a="http://schemas.openxmlformats.org/drawingml/2006/main" xmlns="" val="3679343854"/>
       </p:ext>
     </p:extLst>
   </p:cSld>
@@ -549,7 +558,7 @@
 </file>
 
 <file path=ppt/slideLayouts/slideLayout1.xml><?xml version="1.0" encoding="utf-8"?>
-<p:sldLayout xmlns:a="http://schemas.openxmlformats.org/drawingml/2006/main" xmlns:r="http://schemas.openxmlformats.org/officeDocument/2006/relationships" xmlns:p="http://schemas.openxmlformats.org/presentationml/2006/main" type="title" preserve="1">
+<p:sldLayout xmlns:a="http://schemas.openxmlformats.org/drawingml/2006/main" xmlns:r="http://schemas.openxmlformats.org/officeDocument/2006/relationships" xmlns:mc="http://schemas.openxmlformats.org/markup-compatibility/2006" xmlns:mv="urn:schemas-microsoft-com:mac:vml" xmlns:p="http://schemas.openxmlformats.org/presentationml/2006/main" mc:Ignorable="mv" mc:PreserveAttributes="mv:*" type="title" preserve="1">
   <p:cSld name="Title Slide">
     <p:spTree>
       <p:nvGrpSpPr>
@@ -729,7 +738,8 @@
           <a:p>
             <a:fld id="{0EDF132F-A5EB-4FA9-9836-B3AF7AC35A2F}" type="datetimeFigureOut">
               <a:rPr lang="en-US" smtClean="0"/>
-              <a:t>4/13/2016</a:t>
+              <a:pPr/>
+              <a:t>4/19/16</a:t>
             </a:fld>
             <a:endParaRPr lang="en-US"/>
           </a:p>
@@ -771,6 +781,7 @@
           <a:p>
             <a:fld id="{C9951F49-1481-4706-9E9C-F8C6E81B1029}" type="slidenum">
               <a:rPr lang="en-US" smtClean="0"/>
+              <a:pPr/>
               <a:t>‹#›</a:t>
             </a:fld>
             <a:endParaRPr lang="en-US"/>
@@ -780,7 +791,7 @@
     </p:spTree>
     <p:extLst>
       <p:ext uri="{BB962C8B-B14F-4D97-AF65-F5344CB8AC3E}">
-        <p14:creationId xmlns:p14="http://schemas.microsoft.com/office/powerpoint/2010/main" val="3850348114"/>
+        <p14:creationId xmlns:p14="http://schemas.microsoft.com/office/powerpoint/2010/main" xmlns:p="http://schemas.openxmlformats.org/presentationml/2006/main" xmlns:r="http://schemas.openxmlformats.org/officeDocument/2006/relationships" xmlns:a="http://schemas.openxmlformats.org/drawingml/2006/main" xmlns="" val="3850348114"/>
       </p:ext>
     </p:extLst>
   </p:cSld>
@@ -791,7 +802,7 @@
 </file>
 
 <file path=ppt/slideLayouts/slideLayout10.xml><?xml version="1.0" encoding="utf-8"?>
-<p:sldLayout xmlns:a="http://schemas.openxmlformats.org/drawingml/2006/main" xmlns:r="http://schemas.openxmlformats.org/officeDocument/2006/relationships" xmlns:p="http://schemas.openxmlformats.org/presentationml/2006/main" type="vertTx" preserve="1">
+<p:sldLayout xmlns:a="http://schemas.openxmlformats.org/drawingml/2006/main" xmlns:r="http://schemas.openxmlformats.org/officeDocument/2006/relationships" xmlns:mc="http://schemas.openxmlformats.org/markup-compatibility/2006" xmlns:mv="urn:schemas-microsoft-com:mac:vml" xmlns:p="http://schemas.openxmlformats.org/presentationml/2006/main" mc:Ignorable="mv" mc:PreserveAttributes="mv:*" type="vertTx" preserve="1">
   <p:cSld name="Title and Vertical Text">
     <p:spTree>
       <p:nvGrpSpPr>
@@ -899,7 +910,8 @@
           <a:p>
             <a:fld id="{0EDF132F-A5EB-4FA9-9836-B3AF7AC35A2F}" type="datetimeFigureOut">
               <a:rPr lang="en-US" smtClean="0"/>
-              <a:t>4/13/2016</a:t>
+              <a:pPr/>
+              <a:t>4/19/16</a:t>
             </a:fld>
             <a:endParaRPr lang="en-US"/>
           </a:p>
@@ -941,6 +953,7 @@
           <a:p>
             <a:fld id="{C9951F49-1481-4706-9E9C-F8C6E81B1029}" type="slidenum">
               <a:rPr lang="en-US" smtClean="0"/>
+              <a:pPr/>
               <a:t>‹#›</a:t>
             </a:fld>
             <a:endParaRPr lang="en-US"/>
@@ -950,7 +963,7 @@
     </p:spTree>
     <p:extLst>
       <p:ext uri="{BB962C8B-B14F-4D97-AF65-F5344CB8AC3E}">
-        <p14:creationId xmlns:p14="http://schemas.microsoft.com/office/powerpoint/2010/main" val="4237105964"/>
+        <p14:creationId xmlns:p14="http://schemas.microsoft.com/office/powerpoint/2010/main" xmlns:p="http://schemas.openxmlformats.org/presentationml/2006/main" xmlns:r="http://schemas.openxmlformats.org/officeDocument/2006/relationships" xmlns:a="http://schemas.openxmlformats.org/drawingml/2006/main" xmlns="" val="4237105964"/>
       </p:ext>
     </p:extLst>
   </p:cSld>
@@ -961,7 +974,7 @@
 </file>
 
 <file path=ppt/slideLayouts/slideLayout11.xml><?xml version="1.0" encoding="utf-8"?>
-<p:sldLayout xmlns:a="http://schemas.openxmlformats.org/drawingml/2006/main" xmlns:r="http://schemas.openxmlformats.org/officeDocument/2006/relationships" xmlns:p="http://schemas.openxmlformats.org/presentationml/2006/main" type="vertTitleAndTx" preserve="1">
+<p:sldLayout xmlns:a="http://schemas.openxmlformats.org/drawingml/2006/main" xmlns:r="http://schemas.openxmlformats.org/officeDocument/2006/relationships" xmlns:mc="http://schemas.openxmlformats.org/markup-compatibility/2006" xmlns:mv="urn:schemas-microsoft-com:mac:vml" xmlns:p="http://schemas.openxmlformats.org/presentationml/2006/main" mc:Ignorable="mv" mc:PreserveAttributes="mv:*" type="vertTitleAndTx" preserve="1">
   <p:cSld name="Vertical Title and Text">
     <p:spTree>
       <p:nvGrpSpPr>
@@ -1079,7 +1092,8 @@
           <a:p>
             <a:fld id="{0EDF132F-A5EB-4FA9-9836-B3AF7AC35A2F}" type="datetimeFigureOut">
               <a:rPr lang="en-US" smtClean="0"/>
-              <a:t>4/13/2016</a:t>
+              <a:pPr/>
+              <a:t>4/19/16</a:t>
             </a:fld>
             <a:endParaRPr lang="en-US"/>
           </a:p>
@@ -1121,6 +1135,7 @@
           <a:p>
             <a:fld id="{C9951F49-1481-4706-9E9C-F8C6E81B1029}" type="slidenum">
               <a:rPr lang="en-US" smtClean="0"/>
+              <a:pPr/>
               <a:t>‹#›</a:t>
             </a:fld>
             <a:endParaRPr lang="en-US"/>
@@ -1130,7 +1145,7 @@
     </p:spTree>
     <p:extLst>
       <p:ext uri="{BB962C8B-B14F-4D97-AF65-F5344CB8AC3E}">
-        <p14:creationId xmlns:p14="http://schemas.microsoft.com/office/powerpoint/2010/main" val="1404799577"/>
+        <p14:creationId xmlns:p14="http://schemas.microsoft.com/office/powerpoint/2010/main" xmlns:p="http://schemas.openxmlformats.org/presentationml/2006/main" xmlns:r="http://schemas.openxmlformats.org/officeDocument/2006/relationships" xmlns:a="http://schemas.openxmlformats.org/drawingml/2006/main" xmlns="" val="1404799577"/>
       </p:ext>
     </p:extLst>
   </p:cSld>
@@ -1141,7 +1156,7 @@
 </file>
 
 <file path=ppt/slideLayouts/slideLayout2.xml><?xml version="1.0" encoding="utf-8"?>
-<p:sldLayout xmlns:a="http://schemas.openxmlformats.org/drawingml/2006/main" xmlns:r="http://schemas.openxmlformats.org/officeDocument/2006/relationships" xmlns:p="http://schemas.openxmlformats.org/presentationml/2006/main" type="obj" preserve="1">
+<p:sldLayout xmlns:a="http://schemas.openxmlformats.org/drawingml/2006/main" xmlns:r="http://schemas.openxmlformats.org/officeDocument/2006/relationships" xmlns:mc="http://schemas.openxmlformats.org/markup-compatibility/2006" xmlns:mv="urn:schemas-microsoft-com:mac:vml" xmlns:p="http://schemas.openxmlformats.org/presentationml/2006/main" mc:Ignorable="mv" mc:PreserveAttributes="mv:*" type="obj" preserve="1">
   <p:cSld name="Title and Content">
     <p:spTree>
       <p:nvGrpSpPr>
@@ -1249,7 +1264,8 @@
           <a:p>
             <a:fld id="{0EDF132F-A5EB-4FA9-9836-B3AF7AC35A2F}" type="datetimeFigureOut">
               <a:rPr lang="en-US" smtClean="0"/>
-              <a:t>4/13/2016</a:t>
+              <a:pPr/>
+              <a:t>4/19/16</a:t>
             </a:fld>
             <a:endParaRPr lang="en-US"/>
           </a:p>
@@ -1291,6 +1307,7 @@
           <a:p>
             <a:fld id="{C9951F49-1481-4706-9E9C-F8C6E81B1029}" type="slidenum">
               <a:rPr lang="en-US" smtClean="0"/>
+              <a:pPr/>
               <a:t>‹#›</a:t>
             </a:fld>
             <a:endParaRPr lang="en-US"/>
@@ -1300,7 +1317,7 @@
     </p:spTree>
     <p:extLst>
       <p:ext uri="{BB962C8B-B14F-4D97-AF65-F5344CB8AC3E}">
-        <p14:creationId xmlns:p14="http://schemas.microsoft.com/office/powerpoint/2010/main" val="4214514416"/>
+        <p14:creationId xmlns:p14="http://schemas.microsoft.com/office/powerpoint/2010/main" xmlns:p="http://schemas.openxmlformats.org/presentationml/2006/main" xmlns:r="http://schemas.openxmlformats.org/officeDocument/2006/relationships" xmlns:a="http://schemas.openxmlformats.org/drawingml/2006/main" xmlns="" val="4214514416"/>
       </p:ext>
     </p:extLst>
   </p:cSld>
@@ -1311,7 +1328,7 @@
 </file>
 
 <file path=ppt/slideLayouts/slideLayout3.xml><?xml version="1.0" encoding="utf-8"?>
-<p:sldLayout xmlns:a="http://schemas.openxmlformats.org/drawingml/2006/main" xmlns:r="http://schemas.openxmlformats.org/officeDocument/2006/relationships" xmlns:p="http://schemas.openxmlformats.org/presentationml/2006/main" type="secHead" preserve="1">
+<p:sldLayout xmlns:a="http://schemas.openxmlformats.org/drawingml/2006/main" xmlns:r="http://schemas.openxmlformats.org/officeDocument/2006/relationships" xmlns:mc="http://schemas.openxmlformats.org/markup-compatibility/2006" xmlns:mv="urn:schemas-microsoft-com:mac:vml" xmlns:p="http://schemas.openxmlformats.org/presentationml/2006/main" mc:Ignorable="mv" mc:PreserveAttributes="mv:*" type="secHead" preserve="1">
   <p:cSld name="Section Header">
     <p:spTree>
       <p:nvGrpSpPr>
@@ -1495,7 +1512,8 @@
           <a:p>
             <a:fld id="{0EDF132F-A5EB-4FA9-9836-B3AF7AC35A2F}" type="datetimeFigureOut">
               <a:rPr lang="en-US" smtClean="0"/>
-              <a:t>4/13/2016</a:t>
+              <a:pPr/>
+              <a:t>4/19/16</a:t>
             </a:fld>
             <a:endParaRPr lang="en-US"/>
           </a:p>
@@ -1537,6 +1555,7 @@
           <a:p>
             <a:fld id="{C9951F49-1481-4706-9E9C-F8C6E81B1029}" type="slidenum">
               <a:rPr lang="en-US" smtClean="0"/>
+              <a:pPr/>
               <a:t>‹#›</a:t>
             </a:fld>
             <a:endParaRPr lang="en-US"/>
@@ -1546,7 +1565,7 @@
     </p:spTree>
     <p:extLst>
       <p:ext uri="{BB962C8B-B14F-4D97-AF65-F5344CB8AC3E}">
-        <p14:creationId xmlns:p14="http://schemas.microsoft.com/office/powerpoint/2010/main" val="2104197821"/>
+        <p14:creationId xmlns:p14="http://schemas.microsoft.com/office/powerpoint/2010/main" xmlns:p="http://schemas.openxmlformats.org/presentationml/2006/main" xmlns:r="http://schemas.openxmlformats.org/officeDocument/2006/relationships" xmlns:a="http://schemas.openxmlformats.org/drawingml/2006/main" xmlns="" val="2104197821"/>
       </p:ext>
     </p:extLst>
   </p:cSld>
@@ -1557,7 +1576,7 @@
 </file>
 
 <file path=ppt/slideLayouts/slideLayout4.xml><?xml version="1.0" encoding="utf-8"?>
-<p:sldLayout xmlns:a="http://schemas.openxmlformats.org/drawingml/2006/main" xmlns:r="http://schemas.openxmlformats.org/officeDocument/2006/relationships" xmlns:p="http://schemas.openxmlformats.org/presentationml/2006/main" type="twoObj" preserve="1">
+<p:sldLayout xmlns:a="http://schemas.openxmlformats.org/drawingml/2006/main" xmlns:r="http://schemas.openxmlformats.org/officeDocument/2006/relationships" xmlns:mc="http://schemas.openxmlformats.org/markup-compatibility/2006" xmlns:mv="urn:schemas-microsoft-com:mac:vml" xmlns:p="http://schemas.openxmlformats.org/presentationml/2006/main" mc:Ignorable="mv" mc:PreserveAttributes="mv:*" type="twoObj" preserve="1">
   <p:cSld name="Two Content">
     <p:spTree>
       <p:nvGrpSpPr>
@@ -1783,7 +1802,8 @@
           <a:p>
             <a:fld id="{0EDF132F-A5EB-4FA9-9836-B3AF7AC35A2F}" type="datetimeFigureOut">
               <a:rPr lang="en-US" smtClean="0"/>
-              <a:t>4/13/2016</a:t>
+              <a:pPr/>
+              <a:t>4/19/16</a:t>
             </a:fld>
             <a:endParaRPr lang="en-US"/>
           </a:p>
@@ -1825,6 +1845,7 @@
           <a:p>
             <a:fld id="{C9951F49-1481-4706-9E9C-F8C6E81B1029}" type="slidenum">
               <a:rPr lang="en-US" smtClean="0"/>
+              <a:pPr/>
               <a:t>‹#›</a:t>
             </a:fld>
             <a:endParaRPr lang="en-US"/>
@@ -1834,7 +1855,7 @@
     </p:spTree>
     <p:extLst>
       <p:ext uri="{BB962C8B-B14F-4D97-AF65-F5344CB8AC3E}">
-        <p14:creationId xmlns:p14="http://schemas.microsoft.com/office/powerpoint/2010/main" val="710996255"/>
+        <p14:creationId xmlns:p14="http://schemas.microsoft.com/office/powerpoint/2010/main" xmlns:p="http://schemas.openxmlformats.org/presentationml/2006/main" xmlns:r="http://schemas.openxmlformats.org/officeDocument/2006/relationships" xmlns:a="http://schemas.openxmlformats.org/drawingml/2006/main" xmlns="" val="710996255"/>
       </p:ext>
     </p:extLst>
   </p:cSld>
@@ -1845,7 +1866,7 @@
 </file>
 
 <file path=ppt/slideLayouts/slideLayout5.xml><?xml version="1.0" encoding="utf-8"?>
-<p:sldLayout xmlns:a="http://schemas.openxmlformats.org/drawingml/2006/main" xmlns:r="http://schemas.openxmlformats.org/officeDocument/2006/relationships" xmlns:p="http://schemas.openxmlformats.org/presentationml/2006/main" type="twoTxTwoObj" preserve="1">
+<p:sldLayout xmlns:a="http://schemas.openxmlformats.org/drawingml/2006/main" xmlns:r="http://schemas.openxmlformats.org/officeDocument/2006/relationships" xmlns:mc="http://schemas.openxmlformats.org/markup-compatibility/2006" xmlns:mv="urn:schemas-microsoft-com:mac:vml" xmlns:p="http://schemas.openxmlformats.org/presentationml/2006/main" mc:Ignorable="mv" mc:PreserveAttributes="mv:*" type="twoTxTwoObj" preserve="1">
   <p:cSld name="Comparison">
     <p:spTree>
       <p:nvGrpSpPr>
@@ -2205,7 +2226,8 @@
           <a:p>
             <a:fld id="{0EDF132F-A5EB-4FA9-9836-B3AF7AC35A2F}" type="datetimeFigureOut">
               <a:rPr lang="en-US" smtClean="0"/>
-              <a:t>4/13/2016</a:t>
+              <a:pPr/>
+              <a:t>4/19/16</a:t>
             </a:fld>
             <a:endParaRPr lang="en-US"/>
           </a:p>
@@ -2247,6 +2269,7 @@
           <a:p>
             <a:fld id="{C9951F49-1481-4706-9E9C-F8C6E81B1029}" type="slidenum">
               <a:rPr lang="en-US" smtClean="0"/>
+              <a:pPr/>
               <a:t>‹#›</a:t>
             </a:fld>
             <a:endParaRPr lang="en-US"/>
@@ -2256,7 +2279,7 @@
     </p:spTree>
     <p:extLst>
       <p:ext uri="{BB962C8B-B14F-4D97-AF65-F5344CB8AC3E}">
-        <p14:creationId xmlns:p14="http://schemas.microsoft.com/office/powerpoint/2010/main" val="532115072"/>
+        <p14:creationId xmlns:p14="http://schemas.microsoft.com/office/powerpoint/2010/main" xmlns:p="http://schemas.openxmlformats.org/presentationml/2006/main" xmlns:r="http://schemas.openxmlformats.org/officeDocument/2006/relationships" xmlns:a="http://schemas.openxmlformats.org/drawingml/2006/main" xmlns="" val="532115072"/>
       </p:ext>
     </p:extLst>
   </p:cSld>
@@ -2267,7 +2290,7 @@
 </file>
 
 <file path=ppt/slideLayouts/slideLayout6.xml><?xml version="1.0" encoding="utf-8"?>
-<p:sldLayout xmlns:a="http://schemas.openxmlformats.org/drawingml/2006/main" xmlns:r="http://schemas.openxmlformats.org/officeDocument/2006/relationships" xmlns:p="http://schemas.openxmlformats.org/presentationml/2006/main" type="titleOnly" preserve="1">
+<p:sldLayout xmlns:a="http://schemas.openxmlformats.org/drawingml/2006/main" xmlns:r="http://schemas.openxmlformats.org/officeDocument/2006/relationships" xmlns:mc="http://schemas.openxmlformats.org/markup-compatibility/2006" xmlns:mv="urn:schemas-microsoft-com:mac:vml" xmlns:p="http://schemas.openxmlformats.org/presentationml/2006/main" mc:Ignorable="mv" mc:PreserveAttributes="mv:*" type="titleOnly" preserve="1">
   <p:cSld name="Title Only">
     <p:spTree>
       <p:nvGrpSpPr>
@@ -2323,7 +2346,8 @@
           <a:p>
             <a:fld id="{0EDF132F-A5EB-4FA9-9836-B3AF7AC35A2F}" type="datetimeFigureOut">
               <a:rPr lang="en-US" smtClean="0"/>
-              <a:t>4/13/2016</a:t>
+              <a:pPr/>
+              <a:t>4/19/16</a:t>
             </a:fld>
             <a:endParaRPr lang="en-US"/>
           </a:p>
@@ -2365,6 +2389,7 @@
           <a:p>
             <a:fld id="{C9951F49-1481-4706-9E9C-F8C6E81B1029}" type="slidenum">
               <a:rPr lang="en-US" smtClean="0"/>
+              <a:pPr/>
               <a:t>‹#›</a:t>
             </a:fld>
             <a:endParaRPr lang="en-US"/>
@@ -2374,7 +2399,7 @@
     </p:spTree>
     <p:extLst>
       <p:ext uri="{BB962C8B-B14F-4D97-AF65-F5344CB8AC3E}">
-        <p14:creationId xmlns:p14="http://schemas.microsoft.com/office/powerpoint/2010/main" val="1132295558"/>
+        <p14:creationId xmlns:p14="http://schemas.microsoft.com/office/powerpoint/2010/main" xmlns:p="http://schemas.openxmlformats.org/presentationml/2006/main" xmlns:r="http://schemas.openxmlformats.org/officeDocument/2006/relationships" xmlns:a="http://schemas.openxmlformats.org/drawingml/2006/main" xmlns="" val="1132295558"/>
       </p:ext>
     </p:extLst>
   </p:cSld>
@@ -2385,7 +2410,7 @@
 </file>
 
 <file path=ppt/slideLayouts/slideLayout7.xml><?xml version="1.0" encoding="utf-8"?>
-<p:sldLayout xmlns:a="http://schemas.openxmlformats.org/drawingml/2006/main" xmlns:r="http://schemas.openxmlformats.org/officeDocument/2006/relationships" xmlns:p="http://schemas.openxmlformats.org/presentationml/2006/main" type="blank" preserve="1">
+<p:sldLayout xmlns:a="http://schemas.openxmlformats.org/drawingml/2006/main" xmlns:r="http://schemas.openxmlformats.org/officeDocument/2006/relationships" xmlns:mc="http://schemas.openxmlformats.org/markup-compatibility/2006" xmlns:mv="urn:schemas-microsoft-com:mac:vml" xmlns:p="http://schemas.openxmlformats.org/presentationml/2006/main" mc:Ignorable="mv" mc:PreserveAttributes="mv:*" type="blank" preserve="1">
   <p:cSld name="Blank">
     <p:spTree>
       <p:nvGrpSpPr>
@@ -2418,7 +2443,8 @@
           <a:p>
             <a:fld id="{0EDF132F-A5EB-4FA9-9836-B3AF7AC35A2F}" type="datetimeFigureOut">
               <a:rPr lang="en-US" smtClean="0"/>
-              <a:t>4/13/2016</a:t>
+              <a:pPr/>
+              <a:t>4/19/16</a:t>
             </a:fld>
             <a:endParaRPr lang="en-US"/>
           </a:p>
@@ -2460,6 +2486,7 @@
           <a:p>
             <a:fld id="{C9951F49-1481-4706-9E9C-F8C6E81B1029}" type="slidenum">
               <a:rPr lang="en-US" smtClean="0"/>
+              <a:pPr/>
               <a:t>‹#›</a:t>
             </a:fld>
             <a:endParaRPr lang="en-US"/>
@@ -2469,7 +2496,7 @@
     </p:spTree>
     <p:extLst>
       <p:ext uri="{BB962C8B-B14F-4D97-AF65-F5344CB8AC3E}">
-        <p14:creationId xmlns:p14="http://schemas.microsoft.com/office/powerpoint/2010/main" val="460028982"/>
+        <p14:creationId xmlns:p14="http://schemas.microsoft.com/office/powerpoint/2010/main" xmlns:p="http://schemas.openxmlformats.org/presentationml/2006/main" xmlns:r="http://schemas.openxmlformats.org/officeDocument/2006/relationships" xmlns:a="http://schemas.openxmlformats.org/drawingml/2006/main" xmlns="" val="460028982"/>
       </p:ext>
     </p:extLst>
   </p:cSld>
@@ -2480,7 +2507,7 @@
 </file>
 
 <file path=ppt/slideLayouts/slideLayout8.xml><?xml version="1.0" encoding="utf-8"?>
-<p:sldLayout xmlns:a="http://schemas.openxmlformats.org/drawingml/2006/main" xmlns:r="http://schemas.openxmlformats.org/officeDocument/2006/relationships" xmlns:p="http://schemas.openxmlformats.org/presentationml/2006/main" type="objTx" preserve="1">
+<p:sldLayout xmlns:a="http://schemas.openxmlformats.org/drawingml/2006/main" xmlns:r="http://schemas.openxmlformats.org/officeDocument/2006/relationships" xmlns:mc="http://schemas.openxmlformats.org/markup-compatibility/2006" xmlns:mv="urn:schemas-microsoft-com:mac:vml" xmlns:p="http://schemas.openxmlformats.org/presentationml/2006/main" mc:Ignorable="mv" mc:PreserveAttributes="mv:*" type="objTx" preserve="1">
   <p:cSld name="Content with Caption">
     <p:spTree>
       <p:nvGrpSpPr>
@@ -2695,7 +2722,8 @@
           <a:p>
             <a:fld id="{0EDF132F-A5EB-4FA9-9836-B3AF7AC35A2F}" type="datetimeFigureOut">
               <a:rPr lang="en-US" smtClean="0"/>
-              <a:t>4/13/2016</a:t>
+              <a:pPr/>
+              <a:t>4/19/16</a:t>
             </a:fld>
             <a:endParaRPr lang="en-US"/>
           </a:p>
@@ -2737,6 +2765,7 @@
           <a:p>
             <a:fld id="{C9951F49-1481-4706-9E9C-F8C6E81B1029}" type="slidenum">
               <a:rPr lang="en-US" smtClean="0"/>
+              <a:pPr/>
               <a:t>‹#›</a:t>
             </a:fld>
             <a:endParaRPr lang="en-US"/>
@@ -2746,7 +2775,7 @@
     </p:spTree>
     <p:extLst>
       <p:ext uri="{BB962C8B-B14F-4D97-AF65-F5344CB8AC3E}">
-        <p14:creationId xmlns:p14="http://schemas.microsoft.com/office/powerpoint/2010/main" val="522259721"/>
+        <p14:creationId xmlns:p14="http://schemas.microsoft.com/office/powerpoint/2010/main" xmlns:p="http://schemas.openxmlformats.org/presentationml/2006/main" xmlns:r="http://schemas.openxmlformats.org/officeDocument/2006/relationships" xmlns:a="http://schemas.openxmlformats.org/drawingml/2006/main" xmlns="" val="522259721"/>
       </p:ext>
     </p:extLst>
   </p:cSld>
@@ -2757,7 +2786,7 @@
 </file>
 
 <file path=ppt/slideLayouts/slideLayout9.xml><?xml version="1.0" encoding="utf-8"?>
-<p:sldLayout xmlns:a="http://schemas.openxmlformats.org/drawingml/2006/main" xmlns:r="http://schemas.openxmlformats.org/officeDocument/2006/relationships" xmlns:p="http://schemas.openxmlformats.org/presentationml/2006/main" type="picTx" preserve="1">
+<p:sldLayout xmlns:a="http://schemas.openxmlformats.org/drawingml/2006/main" xmlns:r="http://schemas.openxmlformats.org/officeDocument/2006/relationships" xmlns:mc="http://schemas.openxmlformats.org/markup-compatibility/2006" xmlns:mv="urn:schemas-microsoft-com:mac:vml" xmlns:p="http://schemas.openxmlformats.org/presentationml/2006/main" mc:Ignorable="mv" mc:PreserveAttributes="mv:*" type="picTx" preserve="1">
   <p:cSld name="Picture with Caption">
     <p:spTree>
       <p:nvGrpSpPr>
@@ -2948,7 +2977,8 @@
           <a:p>
             <a:fld id="{0EDF132F-A5EB-4FA9-9836-B3AF7AC35A2F}" type="datetimeFigureOut">
               <a:rPr lang="en-US" smtClean="0"/>
-              <a:t>4/13/2016</a:t>
+              <a:pPr/>
+              <a:t>4/19/16</a:t>
             </a:fld>
             <a:endParaRPr lang="en-US"/>
           </a:p>
@@ -2990,6 +3020,7 @@
           <a:p>
             <a:fld id="{C9951F49-1481-4706-9E9C-F8C6E81B1029}" type="slidenum">
               <a:rPr lang="en-US" smtClean="0"/>
+              <a:pPr/>
               <a:t>‹#›</a:t>
             </a:fld>
             <a:endParaRPr lang="en-US"/>
@@ -2999,7 +3030,7 @@
     </p:spTree>
     <p:extLst>
       <p:ext uri="{BB962C8B-B14F-4D97-AF65-F5344CB8AC3E}">
-        <p14:creationId xmlns:p14="http://schemas.microsoft.com/office/powerpoint/2010/main" val="2511953573"/>
+        <p14:creationId xmlns:p14="http://schemas.microsoft.com/office/powerpoint/2010/main" xmlns:p="http://schemas.openxmlformats.org/presentationml/2006/main" xmlns:r="http://schemas.openxmlformats.org/officeDocument/2006/relationships" xmlns:a="http://schemas.openxmlformats.org/drawingml/2006/main" xmlns="" val="2511953573"/>
       </p:ext>
     </p:extLst>
   </p:cSld>
@@ -3010,7 +3041,7 @@
 </file>
 
 <file path=ppt/slideMasters/slideMaster1.xml><?xml version="1.0" encoding="utf-8"?>
-<p:sldMaster xmlns:a="http://schemas.openxmlformats.org/drawingml/2006/main" xmlns:r="http://schemas.openxmlformats.org/officeDocument/2006/relationships" xmlns:p="http://schemas.openxmlformats.org/presentationml/2006/main">
+<p:sldMaster xmlns:a="http://schemas.openxmlformats.org/drawingml/2006/main" xmlns:r="http://schemas.openxmlformats.org/officeDocument/2006/relationships" xmlns:mc="http://schemas.openxmlformats.org/markup-compatibility/2006" xmlns:mv="urn:schemas-microsoft-com:mac:vml" xmlns:p="http://schemas.openxmlformats.org/presentationml/2006/main" mc:Ignorable="mv" mc:PreserveAttributes="mv:*">
   <p:cSld>
     <p:bg>
       <p:bgRef idx="1001">
@@ -3161,7 +3192,8 @@
           <a:p>
             <a:fld id="{0EDF132F-A5EB-4FA9-9836-B3AF7AC35A2F}" type="datetimeFigureOut">
               <a:rPr lang="en-US" smtClean="0"/>
-              <a:t>4/13/2016</a:t>
+              <a:pPr/>
+              <a:t>4/19/16</a:t>
             </a:fld>
             <a:endParaRPr lang="en-US"/>
           </a:p>
@@ -3239,6 +3271,7 @@
           <a:p>
             <a:fld id="{C9951F49-1481-4706-9E9C-F8C6E81B1029}" type="slidenum">
               <a:rPr lang="en-US" smtClean="0"/>
+              <a:pPr/>
               <a:t>‹#›</a:t>
             </a:fld>
             <a:endParaRPr lang="en-US"/>
@@ -3248,7 +3281,7 @@
     </p:spTree>
     <p:extLst>
       <p:ext uri="{BB962C8B-B14F-4D97-AF65-F5344CB8AC3E}">
-        <p14:creationId xmlns:p14="http://schemas.microsoft.com/office/powerpoint/2010/main" val="1641947359"/>
+        <p14:creationId xmlns:p14="http://schemas.microsoft.com/office/powerpoint/2010/main" xmlns:p="http://schemas.openxmlformats.org/presentationml/2006/main" xmlns:r="http://schemas.openxmlformats.org/officeDocument/2006/relationships" xmlns:a="http://schemas.openxmlformats.org/drawingml/2006/main" xmlns="" val="1641947359"/>
       </p:ext>
     </p:extLst>
   </p:cSld>
@@ -3520,7 +3553,7 @@
 </file>
 
 <file path=ppt/slides/slide1.xml><?xml version="1.0" encoding="utf-8"?>
-<p:sld xmlns:a="http://schemas.openxmlformats.org/drawingml/2006/main" xmlns:r="http://schemas.openxmlformats.org/officeDocument/2006/relationships" xmlns:p="http://schemas.openxmlformats.org/presentationml/2006/main">
+<p:sld xmlns:a="http://schemas.openxmlformats.org/drawingml/2006/main" xmlns:r="http://schemas.openxmlformats.org/officeDocument/2006/relationships" xmlns:mc="http://schemas.openxmlformats.org/markup-compatibility/2006" xmlns:mv="urn:schemas-microsoft-com:mac:vml" xmlns:p="http://schemas.openxmlformats.org/presentationml/2006/main" mc:Ignorable="mv" mc:PreserveAttributes="mv:*">
   <p:cSld>
     <p:spTree>
       <p:nvGrpSpPr>
@@ -3589,7 +3622,7 @@
     </p:spTree>
     <p:extLst>
       <p:ext uri="{BB962C8B-B14F-4D97-AF65-F5344CB8AC3E}">
-        <p14:creationId xmlns:p14="http://schemas.microsoft.com/office/powerpoint/2010/main" val="4018898700"/>
+        <p14:creationId xmlns:p14="http://schemas.microsoft.com/office/powerpoint/2010/main" xmlns:p="http://schemas.openxmlformats.org/presentationml/2006/main" xmlns:r="http://schemas.openxmlformats.org/officeDocument/2006/relationships" xmlns:a="http://schemas.openxmlformats.org/drawingml/2006/main" xmlns="" val="4018898700"/>
       </p:ext>
     </p:extLst>
   </p:cSld>
@@ -3599,8 +3632,8 @@
 </p:sld>
 </file>
 
-<file path=ppt/slides/slide2.xml><?xml version="1.0" encoding="utf-8"?>
-<p:sld xmlns:a="http://schemas.openxmlformats.org/drawingml/2006/main" xmlns:r="http://schemas.openxmlformats.org/officeDocument/2006/relationships" xmlns:p="http://schemas.openxmlformats.org/presentationml/2006/main">
+<file path=ppt/slides/slide10.xml><?xml version="1.0" encoding="utf-8"?>
+<p:sld xmlns:a="http://schemas.openxmlformats.org/drawingml/2006/main" xmlns:r="http://schemas.openxmlformats.org/officeDocument/2006/relationships" xmlns:mc="http://schemas.openxmlformats.org/markup-compatibility/2006" xmlns:mv="urn:schemas-microsoft-com:mac:vml" xmlns:p="http://schemas.openxmlformats.org/presentationml/2006/main" mc:Ignorable="mv" mc:PreserveAttributes="mv:*">
   <p:cSld>
     <p:spTree>
       <p:nvGrpSpPr>
@@ -3633,6 +3666,505 @@
           <a:p>
             <a:r>
               <a:rPr lang="en-US" dirty="0" smtClean="0"/>
+              <a:t>Conclusion</a:t>
+            </a:r>
+            <a:endParaRPr lang="en-US" dirty="0"/>
+          </a:p>
+        </p:txBody>
+      </p:sp>
+      <p:pic>
+        <p:nvPicPr>
+          <p:cNvPr id="7" name="Picture 6" descr="Screen Shot 2016-04-19 at 11.19.55 PM copy.png"/>
+          <p:cNvPicPr>
+            <a:picLocks noChangeAspect="1"/>
+          </p:cNvPicPr>
+          <p:nvPr/>
+        </p:nvPicPr>
+        <p:blipFill>
+          <a:blip r:embed="rId2"/>
+          <a:stretch>
+            <a:fillRect/>
+          </a:stretch>
+        </p:blipFill>
+        <p:spPr>
+          <a:xfrm>
+            <a:off x="304800" y="1524000"/>
+            <a:ext cx="8394701" cy="1409700"/>
+          </a:xfrm>
+          <a:prstGeom prst="rect">
+            <a:avLst/>
+          </a:prstGeom>
+        </p:spPr>
+      </p:pic>
+      <p:pic>
+        <p:nvPicPr>
+          <p:cNvPr id="8" name="Picture 7" descr="Screen Shot 2016-04-19 at 11.19.55 PM.png"/>
+          <p:cNvPicPr>
+            <a:picLocks noChangeAspect="1"/>
+          </p:cNvPicPr>
+          <p:nvPr/>
+        </p:nvPicPr>
+        <p:blipFill>
+          <a:blip r:embed="rId3"/>
+          <a:stretch>
+            <a:fillRect/>
+          </a:stretch>
+        </p:blipFill>
+        <p:spPr>
+          <a:xfrm>
+            <a:off x="2133600" y="4648200"/>
+            <a:ext cx="4394200" cy="736600"/>
+          </a:xfrm>
+          <a:prstGeom prst="rect">
+            <a:avLst/>
+          </a:prstGeom>
+        </p:spPr>
+      </p:pic>
+      <p:sp>
+        <p:nvSpPr>
+          <p:cNvPr id="9" name="TextBox 8"/>
+          <p:cNvSpPr txBox="1"/>
+          <p:nvPr/>
+        </p:nvSpPr>
+        <p:spPr>
+          <a:xfrm>
+            <a:off x="914400" y="3352800"/>
+            <a:ext cx="7315200" cy="954107"/>
+          </a:xfrm>
+          <a:prstGeom prst="rect">
+            <a:avLst/>
+          </a:prstGeom>
+          <a:noFill/>
+        </p:spPr>
+        <p:txBody>
+          <a:bodyPr wrap="square" rtlCol="0">
+            <a:spAutoFit/>
+          </a:bodyPr>
+          <a:lstStyle/>
+          <a:p>
+            <a:r>
+              <a:rPr lang="en-US" sz="2800" dirty="0" smtClean="0"/>
+              <a:t>This is close, but not in great agreement with the literature value given below.</a:t>
+            </a:r>
+            <a:endParaRPr lang="en-US" sz="2800" dirty="0"/>
+          </a:p>
+        </p:txBody>
+      </p:sp>
+    </p:spTree>
+  </p:cSld>
+  <p:clrMapOvr>
+    <a:masterClrMapping/>
+  </p:clrMapOvr>
+</p:sld>
+</file>
+
+<file path=ppt/slides/slide11.xml><?xml version="1.0" encoding="utf-8"?>
+<p:sld xmlns:a="http://schemas.openxmlformats.org/drawingml/2006/main" xmlns:r="http://schemas.openxmlformats.org/officeDocument/2006/relationships" xmlns:mc="http://schemas.openxmlformats.org/markup-compatibility/2006" xmlns:mv="urn:schemas-microsoft-com:mac:vml" xmlns:p="http://schemas.openxmlformats.org/presentationml/2006/main" mc:Ignorable="mv" mc:PreserveAttributes="mv:*">
+  <p:cSld>
+    <p:spTree>
+      <p:nvGrpSpPr>
+        <p:cNvPr id="1" name=""/>
+        <p:cNvGrpSpPr/>
+        <p:nvPr/>
+      </p:nvGrpSpPr>
+      <p:grpSpPr>
+        <a:xfrm>
+          <a:off x="0" y="0"/>
+          <a:ext cx="0" cy="0"/>
+          <a:chOff x="0" y="0"/>
+          <a:chExt cx="0" cy="0"/>
+        </a:xfrm>
+      </p:grpSpPr>
+      <p:sp>
+        <p:nvSpPr>
+          <p:cNvPr id="4" name="Rectangle 3"/>
+          <p:cNvSpPr/>
+          <p:nvPr/>
+        </p:nvSpPr>
+        <p:spPr>
+          <a:xfrm>
+            <a:off x="533400" y="762000"/>
+            <a:ext cx="8077200" cy="5509200"/>
+          </a:xfrm>
+          <a:prstGeom prst="rect">
+            <a:avLst/>
+          </a:prstGeom>
+        </p:spPr>
+        <p:txBody>
+          <a:bodyPr wrap="square">
+            <a:spAutoFit/>
+          </a:bodyPr>
+          <a:lstStyle/>
+          <a:p>
+            <a:r>
+              <a:rPr lang="en-US" sz="2800" dirty="0" smtClean="0"/>
+              <a:t> </a:t>
+            </a:r>
+            <a:r>
+              <a:rPr lang="en-US" sz="3200" dirty="0" smtClean="0"/>
+              <a:t>We conclude that our data and</a:t>
+            </a:r>
+            <a:r>
+              <a:rPr lang="en-US" sz="3200" dirty="0" smtClean="0"/>
+              <a:t> fits </a:t>
+            </a:r>
+            <a:r>
+              <a:rPr lang="en-US" sz="3200" dirty="0" smtClean="0"/>
+              <a:t>show the Compton relation well.</a:t>
+            </a:r>
+            <a:r>
+              <a:rPr lang="en-US" sz="3200" dirty="0" smtClean="0"/>
+              <a:t> Our </a:t>
+            </a:r>
+            <a:r>
+              <a:rPr lang="en-US" sz="3200" dirty="0" smtClean="0"/>
+              <a:t>biggest issue seems to be </a:t>
+            </a:r>
+            <a:r>
+              <a:rPr lang="en-US" sz="3200" dirty="0" smtClean="0"/>
+              <a:t>the systematic </a:t>
+            </a:r>
+            <a:r>
+              <a:rPr lang="en-US" sz="3200" dirty="0" smtClean="0"/>
+              <a:t>lower-than-actual energy measurements, as can be seen in our</a:t>
+            </a:r>
+            <a:r>
+              <a:rPr lang="en-US" sz="3200" dirty="0" smtClean="0"/>
+              <a:t> final </a:t>
+            </a:r>
+            <a:r>
+              <a:rPr lang="en-US" sz="3200" dirty="0" smtClean="0"/>
+              <a:t>plot. This could be simply due to energy </a:t>
+            </a:r>
+            <a:r>
+              <a:rPr lang="en-US" sz="3200" dirty="0" smtClean="0"/>
+              <a:t>loss somewhere </a:t>
+            </a:r>
+            <a:r>
+              <a:rPr lang="en-US" sz="3200" dirty="0" smtClean="0"/>
+              <a:t>in the apparatus before the </a:t>
+            </a:r>
+            <a:r>
+              <a:rPr lang="en-US" sz="3200" dirty="0" smtClean="0"/>
+              <a:t>quantification </a:t>
+            </a:r>
+            <a:r>
+              <a:rPr lang="en-US" sz="3200" dirty="0" smtClean="0"/>
+              <a:t>of photon energy is done. Overall, our data agrees well with </a:t>
+            </a:r>
+            <a:r>
+              <a:rPr lang="en-US" sz="3200" dirty="0" smtClean="0"/>
+              <a:t>the expected </a:t>
+            </a:r>
+            <a:r>
+              <a:rPr lang="en-US" sz="3200" dirty="0" smtClean="0"/>
+              <a:t>relationship from the Compton scattering formula, but is not useful for extracting</a:t>
+            </a:r>
+            <a:r>
+              <a:rPr lang="en-US" sz="3200" dirty="0" smtClean="0"/>
+              <a:t> fine </a:t>
+            </a:r>
+            <a:r>
+              <a:rPr lang="en-US" sz="3200" dirty="0" smtClean="0"/>
+              <a:t>constants such as </a:t>
+            </a:r>
+            <a:r>
+              <a:rPr lang="en-US" sz="3200" dirty="0" smtClean="0"/>
+              <a:t>the electron </a:t>
+            </a:r>
+            <a:r>
+              <a:rPr lang="en-US" sz="3200" dirty="0" smtClean="0"/>
+              <a:t>rest mass.</a:t>
+            </a:r>
+            <a:endParaRPr lang="en-US" sz="2800" dirty="0"/>
+          </a:p>
+        </p:txBody>
+      </p:sp>
+    </p:spTree>
+  </p:cSld>
+  <p:clrMapOvr>
+    <a:masterClrMapping/>
+  </p:clrMapOvr>
+</p:sld>
+</file>
+
+<file path=ppt/slides/slide2.xml><?xml version="1.0" encoding="utf-8"?>
+<p:sld xmlns:a="http://schemas.openxmlformats.org/drawingml/2006/main" xmlns:r="http://schemas.openxmlformats.org/officeDocument/2006/relationships" xmlns:mc="http://schemas.openxmlformats.org/markup-compatibility/2006" xmlns:mv="urn:schemas-microsoft-com:mac:vml" xmlns:p="http://schemas.openxmlformats.org/presentationml/2006/main" mc:Ignorable="mv" mc:PreserveAttributes="mv:*">
+  <p:cSld>
+    <p:spTree>
+      <p:nvGrpSpPr>
+        <p:cNvPr id="1" name=""/>
+        <p:cNvGrpSpPr/>
+        <p:nvPr/>
+      </p:nvGrpSpPr>
+      <p:grpSpPr>
+        <a:xfrm>
+          <a:off x="0" y="0"/>
+          <a:ext cx="0" cy="0"/>
+          <a:chOff x="0" y="0"/>
+          <a:chExt cx="0" cy="0"/>
+        </a:xfrm>
+      </p:grpSpPr>
+      <p:sp>
+        <p:nvSpPr>
+          <p:cNvPr id="2" name="Title 1"/>
+          <p:cNvSpPr>
+            <a:spLocks noGrp="1"/>
+          </p:cNvSpPr>
+          <p:nvPr>
+            <p:ph type="title"/>
+          </p:nvPr>
+        </p:nvSpPr>
+        <p:spPr/>
+        <p:txBody>
+          <a:bodyPr/>
+          <a:lstStyle/>
+          <a:p>
+            <a:r>
+              <a:rPr lang="en-US" dirty="0" smtClean="0"/>
+              <a:t>Purpose</a:t>
+            </a:r>
+            <a:endParaRPr lang="en-US" dirty="0"/>
+          </a:p>
+        </p:txBody>
+      </p:sp>
+      <p:sp>
+        <p:nvSpPr>
+          <p:cNvPr id="3" name="Content Placeholder 2"/>
+          <p:cNvSpPr>
+            <a:spLocks noGrp="1"/>
+          </p:cNvSpPr>
+          <p:nvPr>
+            <p:ph idx="1"/>
+          </p:nvPr>
+        </p:nvSpPr>
+        <p:spPr/>
+        <p:txBody>
+          <a:bodyPr/>
+          <a:lstStyle/>
+          <a:p>
+            <a:pPr>
+              <a:buNone/>
+            </a:pPr>
+            <a:r>
+              <a:rPr lang="en-US" dirty="0" smtClean="0"/>
+              <a:t>	To show how the energy of Compton-scattered photons depends on the angle of scattering. Specifically, we tested the validity of the Compton equation for Cs-137 and using an aluminum </a:t>
+            </a:r>
+            <a:r>
+              <a:rPr lang="en-US" dirty="0" err="1" smtClean="0"/>
+              <a:t>scatterer</a:t>
+            </a:r>
+            <a:r>
+              <a:rPr lang="en-US" dirty="0" smtClean="0"/>
+              <a:t>.</a:t>
+            </a:r>
+            <a:endParaRPr lang="en-US" dirty="0"/>
+          </a:p>
+        </p:txBody>
+      </p:sp>
+    </p:spTree>
+  </p:cSld>
+  <p:clrMapOvr>
+    <a:masterClrMapping/>
+  </p:clrMapOvr>
+</p:sld>
+</file>
+
+<file path=ppt/slides/slide3.xml><?xml version="1.0" encoding="utf-8"?>
+<p:sld xmlns:a="http://schemas.openxmlformats.org/drawingml/2006/main" xmlns:r="http://schemas.openxmlformats.org/officeDocument/2006/relationships" xmlns:mc="http://schemas.openxmlformats.org/markup-compatibility/2006" xmlns:mv="urn:schemas-microsoft-com:mac:vml" xmlns:p="http://schemas.openxmlformats.org/presentationml/2006/main" mc:Ignorable="mv" mc:PreserveAttributes="mv:*">
+  <p:cSld>
+    <p:spTree>
+      <p:nvGrpSpPr>
+        <p:cNvPr id="1" name=""/>
+        <p:cNvGrpSpPr/>
+        <p:nvPr/>
+      </p:nvGrpSpPr>
+      <p:grpSpPr>
+        <a:xfrm>
+          <a:off x="0" y="0"/>
+          <a:ext cx="0" cy="0"/>
+          <a:chOff x="0" y="0"/>
+          <a:chExt cx="0" cy="0"/>
+        </a:xfrm>
+      </p:grpSpPr>
+      <p:sp>
+        <p:nvSpPr>
+          <p:cNvPr id="2" name="Title 1"/>
+          <p:cNvSpPr>
+            <a:spLocks noGrp="1"/>
+          </p:cNvSpPr>
+          <p:nvPr>
+            <p:ph type="title"/>
+          </p:nvPr>
+        </p:nvSpPr>
+        <p:spPr/>
+        <p:txBody>
+          <a:bodyPr/>
+          <a:lstStyle/>
+          <a:p>
+            <a:r>
+              <a:rPr lang="en-US" dirty="0" smtClean="0"/>
+              <a:t>Method</a:t>
+            </a:r>
+            <a:endParaRPr lang="en-US" dirty="0"/>
+          </a:p>
+        </p:txBody>
+      </p:sp>
+      <p:sp>
+        <p:nvSpPr>
+          <p:cNvPr id="4" name="TextBox 3"/>
+          <p:cNvSpPr txBox="1"/>
+          <p:nvPr/>
+        </p:nvSpPr>
+        <p:spPr>
+          <a:xfrm>
+            <a:off x="533400" y="1600200"/>
+            <a:ext cx="8077200" cy="5078314"/>
+          </a:xfrm>
+          <a:prstGeom prst="rect">
+            <a:avLst/>
+          </a:prstGeom>
+          <a:noFill/>
+        </p:spPr>
+        <p:txBody>
+          <a:bodyPr wrap="square" rtlCol="0">
+            <a:spAutoFit/>
+          </a:bodyPr>
+          <a:lstStyle/>
+          <a:p>
+            <a:r>
+              <a:rPr lang="en-US" dirty="0" smtClean="0"/>
+              <a:t> </a:t>
+            </a:r>
+            <a:r>
+              <a:rPr lang="en-US" sz="3600" dirty="0" smtClean="0"/>
+              <a:t>Our setup consists of a pair of radioactive Caesium-137 sources housed in a radio-insulating box with a narrow opening.</a:t>
+            </a:r>
+          </a:p>
+          <a:p>
+            <a:r>
+              <a:rPr lang="en-US" sz="3600" dirty="0" smtClean="0"/>
+              <a:t>These produce gamma rays at 662 </a:t>
+            </a:r>
+            <a:r>
+              <a:rPr lang="en-US" sz="3600" dirty="0" err="1" smtClean="0"/>
+              <a:t>keV</a:t>
+            </a:r>
+            <a:r>
+              <a:rPr lang="en-US" sz="3600" dirty="0" smtClean="0"/>
+              <a:t>, which come out the opening as a collimated beam. The radioactive decay is</a:t>
+            </a:r>
+          </a:p>
+          <a:p>
+            <a:r>
+              <a:rPr lang="en-US" sz="3600" dirty="0" smtClean="0"/>
+              <a:t>directed at a cylindrical aluminum rod that scatters incoming photons at random </a:t>
+            </a:r>
+            <a:r>
+              <a:rPr lang="en-US" sz="3600" dirty="0" smtClean="0"/>
+              <a:t>angles.</a:t>
+            </a:r>
+            <a:endParaRPr lang="en-US" sz="3600" dirty="0"/>
+          </a:p>
+        </p:txBody>
+      </p:sp>
+    </p:spTree>
+  </p:cSld>
+  <p:clrMapOvr>
+    <a:masterClrMapping/>
+  </p:clrMapOvr>
+</p:sld>
+</file>
+
+<file path=ppt/slides/slide4.xml><?xml version="1.0" encoding="utf-8"?>
+<p:sld xmlns:a="http://schemas.openxmlformats.org/drawingml/2006/main" xmlns:r="http://schemas.openxmlformats.org/officeDocument/2006/relationships" xmlns:mc="http://schemas.openxmlformats.org/markup-compatibility/2006" xmlns:mv="urn:schemas-microsoft-com:mac:vml" xmlns:p="http://schemas.openxmlformats.org/presentationml/2006/main" mc:Ignorable="mv" mc:PreserveAttributes="mv:*">
+  <p:cSld>
+    <p:spTree>
+      <p:nvGrpSpPr>
+        <p:cNvPr id="1" name=""/>
+        <p:cNvGrpSpPr/>
+        <p:nvPr/>
+      </p:nvGrpSpPr>
+      <p:grpSpPr>
+        <a:xfrm>
+          <a:off x="0" y="0"/>
+          <a:ext cx="0" cy="0"/>
+          <a:chOff x="0" y="0"/>
+          <a:chExt cx="0" cy="0"/>
+        </a:xfrm>
+      </p:grpSpPr>
+      <p:sp>
+        <p:nvSpPr>
+          <p:cNvPr id="4" name="TextBox 3"/>
+          <p:cNvSpPr txBox="1"/>
+          <p:nvPr/>
+        </p:nvSpPr>
+        <p:spPr>
+          <a:xfrm>
+            <a:off x="533400" y="685800"/>
+            <a:ext cx="8077200" cy="3970318"/>
+          </a:xfrm>
+          <a:prstGeom prst="rect">
+            <a:avLst/>
+          </a:prstGeom>
+          <a:noFill/>
+        </p:spPr>
+        <p:txBody>
+          <a:bodyPr wrap="square" rtlCol="0">
+            <a:spAutoFit/>
+          </a:bodyPr>
+          <a:lstStyle/>
+          <a:p>
+            <a:r>
+              <a:rPr lang="en-US" sz="3600" dirty="0" smtClean="0"/>
+              <a:t>A photomultiplier tube is mounted on a circular rail, allowing us to observe photons at different scattering angles. Photon energy is quantified using software, allowing us to record the relationship between scattering angle and photon energy.</a:t>
+            </a:r>
+            <a:endParaRPr lang="en-US" sz="6000" dirty="0"/>
+          </a:p>
+        </p:txBody>
+      </p:sp>
+    </p:spTree>
+  </p:cSld>
+  <p:clrMapOvr>
+    <a:masterClrMapping/>
+  </p:clrMapOvr>
+</p:sld>
+</file>
+
+<file path=ppt/slides/slide5.xml><?xml version="1.0" encoding="utf-8"?>
+<p:sld xmlns:a="http://schemas.openxmlformats.org/drawingml/2006/main" xmlns:r="http://schemas.openxmlformats.org/officeDocument/2006/relationships" xmlns:mc="http://schemas.openxmlformats.org/markup-compatibility/2006" xmlns:mv="urn:schemas-microsoft-com:mac:vml" xmlns:p="http://schemas.openxmlformats.org/presentationml/2006/main" mc:Ignorable="mv" mc:PreserveAttributes="mv:*">
+  <p:cSld>
+    <p:spTree>
+      <p:nvGrpSpPr>
+        <p:cNvPr id="1" name=""/>
+        <p:cNvGrpSpPr/>
+        <p:nvPr/>
+      </p:nvGrpSpPr>
+      <p:grpSpPr>
+        <a:xfrm>
+          <a:off x="0" y="0"/>
+          <a:ext cx="0" cy="0"/>
+          <a:chOff x="0" y="0"/>
+          <a:chExt cx="0" cy="0"/>
+        </a:xfrm>
+      </p:grpSpPr>
+      <p:sp>
+        <p:nvSpPr>
+          <p:cNvPr id="2" name="Title 1"/>
+          <p:cNvSpPr>
+            <a:spLocks noGrp="1"/>
+          </p:cNvSpPr>
+          <p:nvPr>
+            <p:ph type="title"/>
+          </p:nvPr>
+        </p:nvSpPr>
+        <p:spPr/>
+        <p:txBody>
+          <a:bodyPr/>
+          <a:lstStyle/>
+          <a:p>
+            <a:r>
+              <a:rPr lang="en-US" dirty="0" smtClean="0"/>
               <a:t>Apparatus</a:t>
             </a:r>
             <a:endParaRPr lang="en-US" dirty="0"/>
@@ -3651,7 +4183,7 @@
           <a:blip r:embed="rId2">
             <a:extLst>
               <a:ext uri="{28A0092B-C50C-407E-A947-70E740481C1C}">
-                <a14:useLocalDpi xmlns:a14="http://schemas.microsoft.com/office/drawing/2010/main" val="0"/>
+                <a14:useLocalDpi xmlns:a14="http://schemas.microsoft.com/office/drawing/2010/main" xmlns:p="http://schemas.openxmlformats.org/presentationml/2006/main" xmlns:r="http://schemas.openxmlformats.org/officeDocument/2006/relationships" xmlns:a="http://schemas.openxmlformats.org/drawingml/2006/main" xmlns="" val="0"/>
               </a:ext>
             </a:extLst>
           </a:blip>
@@ -3671,7 +4203,7 @@
           <a:noFill/>
           <a:extLst>
             <a:ext uri="{909E8E84-426E-40DD-AFC4-6F175D3DCCD1}">
-              <a14:hiddenFill xmlns:a14="http://schemas.microsoft.com/office/drawing/2010/main">
+              <a14:hiddenFill xmlns:a14="http://schemas.microsoft.com/office/drawing/2010/main" xmlns:p="http://schemas.openxmlformats.org/presentationml/2006/main" xmlns:r="http://schemas.openxmlformats.org/officeDocument/2006/relationships" xmlns:a="http://schemas.openxmlformats.org/drawingml/2006/main" xmlns="">
                 <a:solidFill>
                   <a:srgbClr val="FFFFFF"/>
                 </a:solidFill>
@@ -3683,7 +4215,7 @@
     </p:spTree>
     <p:extLst>
       <p:ext uri="{BB962C8B-B14F-4D97-AF65-F5344CB8AC3E}">
-        <p14:creationId xmlns:p14="http://schemas.microsoft.com/office/powerpoint/2010/main" val="3617440188"/>
+        <p14:creationId xmlns:p14="http://schemas.microsoft.com/office/powerpoint/2010/main" xmlns:p="http://schemas.openxmlformats.org/presentationml/2006/main" xmlns:r="http://schemas.openxmlformats.org/officeDocument/2006/relationships" xmlns:a="http://schemas.openxmlformats.org/drawingml/2006/main" xmlns="" val="3617440188"/>
       </p:ext>
     </p:extLst>
   </p:cSld>
@@ -3693,8 +4225,8 @@
 </p:sld>
 </file>
 
-<file path=ppt/slides/slide3.xml><?xml version="1.0" encoding="utf-8"?>
-<p:sld xmlns:a="http://schemas.openxmlformats.org/drawingml/2006/main" xmlns:r="http://schemas.openxmlformats.org/officeDocument/2006/relationships" xmlns:p="http://schemas.openxmlformats.org/presentationml/2006/main">
+<file path=ppt/slides/slide6.xml><?xml version="1.0" encoding="utf-8"?>
+<p:sld xmlns:a="http://schemas.openxmlformats.org/drawingml/2006/main" xmlns:r="http://schemas.openxmlformats.org/officeDocument/2006/relationships" xmlns:mc="http://schemas.openxmlformats.org/markup-compatibility/2006" xmlns:mv="urn:schemas-microsoft-com:mac:vml" xmlns:p="http://schemas.openxmlformats.org/presentationml/2006/main" mc:Ignorable="mv" mc:PreserveAttributes="mv:*">
   <p:cSld>
     <p:spTree>
       <p:nvGrpSpPr>
@@ -3722,7 +4254,7 @@
           <a:blip r:embed="rId2">
             <a:extLst>
               <a:ext uri="{28A0092B-C50C-407E-A947-70E740481C1C}">
-                <a14:useLocalDpi xmlns:a14="http://schemas.microsoft.com/office/drawing/2010/main" val="0"/>
+                <a14:useLocalDpi xmlns:a14="http://schemas.microsoft.com/office/drawing/2010/main" xmlns:p="http://schemas.openxmlformats.org/presentationml/2006/main" xmlns:r="http://schemas.openxmlformats.org/officeDocument/2006/relationships" xmlns:a="http://schemas.openxmlformats.org/drawingml/2006/main" xmlns="" val="0"/>
               </a:ext>
             </a:extLst>
           </a:blip>
@@ -3742,7 +4274,7 @@
           <a:noFill/>
           <a:extLst>
             <a:ext uri="{909E8E84-426E-40DD-AFC4-6F175D3DCCD1}">
-              <a14:hiddenFill xmlns:a14="http://schemas.microsoft.com/office/drawing/2010/main">
+              <a14:hiddenFill xmlns:a14="http://schemas.microsoft.com/office/drawing/2010/main" xmlns:p="http://schemas.openxmlformats.org/presentationml/2006/main" xmlns:r="http://schemas.openxmlformats.org/officeDocument/2006/relationships" xmlns:a="http://schemas.openxmlformats.org/drawingml/2006/main" xmlns="">
                 <a:solidFill>
                   <a:srgbClr val="FFFFFF"/>
                 </a:solidFill>
@@ -3754,7 +4286,7 @@
     </p:spTree>
     <p:extLst>
       <p:ext uri="{BB962C8B-B14F-4D97-AF65-F5344CB8AC3E}">
-        <p14:creationId xmlns:p14="http://schemas.microsoft.com/office/powerpoint/2010/main" val="656641987"/>
+        <p14:creationId xmlns:p14="http://schemas.microsoft.com/office/powerpoint/2010/main" xmlns:p="http://schemas.openxmlformats.org/presentationml/2006/main" xmlns:r="http://schemas.openxmlformats.org/officeDocument/2006/relationships" xmlns:a="http://schemas.openxmlformats.org/drawingml/2006/main" xmlns="" val="656641987"/>
       </p:ext>
     </p:extLst>
   </p:cSld>
@@ -3764,8 +4296,8 @@
 </p:sld>
 </file>
 
-<file path=ppt/slides/slide4.xml><?xml version="1.0" encoding="utf-8"?>
-<p:sld xmlns:a="http://schemas.openxmlformats.org/drawingml/2006/main" xmlns:r="http://schemas.openxmlformats.org/officeDocument/2006/relationships" xmlns:p="http://schemas.openxmlformats.org/presentationml/2006/main">
+<file path=ppt/slides/slide7.xml><?xml version="1.0" encoding="utf-8"?>
+<p:sld xmlns:a="http://schemas.openxmlformats.org/drawingml/2006/main" xmlns:r="http://schemas.openxmlformats.org/officeDocument/2006/relationships" xmlns:mc="http://schemas.openxmlformats.org/markup-compatibility/2006" xmlns:mv="urn:schemas-microsoft-com:mac:vml" xmlns:p="http://schemas.openxmlformats.org/presentationml/2006/main" mc:Ignorable="mv" mc:PreserveAttributes="mv:*">
   <p:cSld>
     <p:spTree>
       <p:nvGrpSpPr>
@@ -3793,7 +4325,7 @@
           <a:blip r:embed="rId2">
             <a:extLst>
               <a:ext uri="{28A0092B-C50C-407E-A947-70E740481C1C}">
-                <a14:useLocalDpi xmlns:a14="http://schemas.microsoft.com/office/drawing/2010/main" val="0"/>
+                <a14:useLocalDpi xmlns:a14="http://schemas.microsoft.com/office/drawing/2010/main" xmlns:p="http://schemas.openxmlformats.org/presentationml/2006/main" xmlns:r="http://schemas.openxmlformats.org/officeDocument/2006/relationships" xmlns:a="http://schemas.openxmlformats.org/drawingml/2006/main" xmlns="" val="0"/>
               </a:ext>
             </a:extLst>
           </a:blip>
@@ -3813,7 +4345,7 @@
           <a:noFill/>
           <a:extLst>
             <a:ext uri="{909E8E84-426E-40DD-AFC4-6F175D3DCCD1}">
-              <a14:hiddenFill xmlns:a14="http://schemas.microsoft.com/office/drawing/2010/main">
+              <a14:hiddenFill xmlns:a14="http://schemas.microsoft.com/office/drawing/2010/main" xmlns:p="http://schemas.openxmlformats.org/presentationml/2006/main" xmlns:r="http://schemas.openxmlformats.org/officeDocument/2006/relationships" xmlns:a="http://schemas.openxmlformats.org/drawingml/2006/main" xmlns="">
                 <a:solidFill>
                   <a:srgbClr val="FFFFFF"/>
                 </a:solidFill>
@@ -3825,7 +4357,7 @@
     </p:spTree>
     <p:extLst>
       <p:ext uri="{BB962C8B-B14F-4D97-AF65-F5344CB8AC3E}">
-        <p14:creationId xmlns:p14="http://schemas.microsoft.com/office/powerpoint/2010/main" val="2341559285"/>
+        <p14:creationId xmlns:p14="http://schemas.microsoft.com/office/powerpoint/2010/main" xmlns:p="http://schemas.openxmlformats.org/presentationml/2006/main" xmlns:r="http://schemas.openxmlformats.org/officeDocument/2006/relationships" xmlns:a="http://schemas.openxmlformats.org/drawingml/2006/main" xmlns="" val="2341559285"/>
       </p:ext>
     </p:extLst>
   </p:cSld>
@@ -3835,8 +4367,57 @@
 </p:sld>
 </file>
 
-<file path=ppt/slides/slide5.xml><?xml version="1.0" encoding="utf-8"?>
-<p:sld xmlns:a="http://schemas.openxmlformats.org/drawingml/2006/main" xmlns:r="http://schemas.openxmlformats.org/officeDocument/2006/relationships" xmlns:p="http://schemas.openxmlformats.org/presentationml/2006/main">
+<file path=ppt/slides/slide8.xml><?xml version="1.0" encoding="utf-8"?>
+<p:sld xmlns:a="http://schemas.openxmlformats.org/drawingml/2006/main" xmlns:r="http://schemas.openxmlformats.org/officeDocument/2006/relationships" xmlns:mc="http://schemas.openxmlformats.org/markup-compatibility/2006" xmlns:mv="urn:schemas-microsoft-com:mac:vml" xmlns:p="http://schemas.openxmlformats.org/presentationml/2006/main" mc:Ignorable="mv" mc:PreserveAttributes="mv:*">
+  <p:cSld>
+    <p:spTree>
+      <p:nvGrpSpPr>
+        <p:cNvPr id="1" name=""/>
+        <p:cNvGrpSpPr/>
+        <p:nvPr/>
+      </p:nvGrpSpPr>
+      <p:grpSpPr>
+        <a:xfrm>
+          <a:off x="0" y="0"/>
+          <a:ext cx="0" cy="0"/>
+          <a:chOff x="0" y="0"/>
+          <a:chExt cx="0" cy="0"/>
+        </a:xfrm>
+      </p:grpSpPr>
+      <p:pic>
+        <p:nvPicPr>
+          <p:cNvPr id="5" name="Picture 4" descr="Screen Shot 2016-04-19 at 11.24.52 PM.png"/>
+          <p:cNvPicPr>
+            <a:picLocks noChangeAspect="1"/>
+          </p:cNvPicPr>
+          <p:nvPr/>
+        </p:nvPicPr>
+        <p:blipFill>
+          <a:blip r:embed="rId2"/>
+          <a:stretch>
+            <a:fillRect/>
+          </a:stretch>
+        </p:blipFill>
+        <p:spPr>
+          <a:xfrm>
+            <a:off x="374650" y="1930400"/>
+            <a:ext cx="8293100" cy="2476500"/>
+          </a:xfrm>
+          <a:prstGeom prst="rect">
+            <a:avLst/>
+          </a:prstGeom>
+        </p:spPr>
+      </p:pic>
+    </p:spTree>
+  </p:cSld>
+  <p:clrMapOvr>
+    <a:masterClrMapping/>
+  </p:clrMapOvr>
+</p:sld>
+</file>
+
+<file path=ppt/slides/slide9.xml><?xml version="1.0" encoding="utf-8"?>
+<p:sld xmlns:a="http://schemas.openxmlformats.org/drawingml/2006/main" xmlns:r="http://schemas.openxmlformats.org/officeDocument/2006/relationships" xmlns:mc="http://schemas.openxmlformats.org/markup-compatibility/2006" xmlns:mv="urn:schemas-microsoft-com:mac:vml" xmlns:p="http://schemas.openxmlformats.org/presentationml/2006/main" mc:Ignorable="mv" mc:PreserveAttributes="mv:*">
   <p:cSld>
     <p:spTree>
       <p:nvGrpSpPr>
@@ -3864,7 +4445,7 @@
           <a:blip r:embed="rId3">
             <a:extLst>
               <a:ext uri="{28A0092B-C50C-407E-A947-70E740481C1C}">
-                <a14:useLocalDpi xmlns:a14="http://schemas.microsoft.com/office/drawing/2010/main" val="0"/>
+                <a14:useLocalDpi xmlns:a14="http://schemas.microsoft.com/office/drawing/2010/main" xmlns:p="http://schemas.openxmlformats.org/presentationml/2006/main" xmlns:r="http://schemas.openxmlformats.org/officeDocument/2006/relationships" xmlns:a="http://schemas.openxmlformats.org/drawingml/2006/main" xmlns="" val="0"/>
               </a:ext>
             </a:extLst>
           </a:blip>
@@ -3884,7 +4465,7 @@
           <a:noFill/>
           <a:extLst>
             <a:ext uri="{909E8E84-426E-40DD-AFC4-6F175D3DCCD1}">
-              <a14:hiddenFill xmlns:a14="http://schemas.microsoft.com/office/drawing/2010/main">
+              <a14:hiddenFill xmlns:a14="http://schemas.microsoft.com/office/drawing/2010/main" xmlns:p="http://schemas.openxmlformats.org/presentationml/2006/main" xmlns:r="http://schemas.openxmlformats.org/officeDocument/2006/relationships" xmlns:a="http://schemas.openxmlformats.org/drawingml/2006/main" xmlns="">
                 <a:solidFill>
                   <a:srgbClr val="FFFFFF"/>
                 </a:solidFill>
@@ -3896,7 +4477,7 @@
     </p:spTree>
     <p:extLst>
       <p:ext uri="{BB962C8B-B14F-4D97-AF65-F5344CB8AC3E}">
-        <p14:creationId xmlns:p14="http://schemas.microsoft.com/office/powerpoint/2010/main" val="1365593166"/>
+        <p14:creationId xmlns:p14="http://schemas.microsoft.com/office/powerpoint/2010/main" xmlns:p="http://schemas.openxmlformats.org/presentationml/2006/main" xmlns:r="http://schemas.openxmlformats.org/officeDocument/2006/relationships" xmlns:a="http://schemas.openxmlformats.org/drawingml/2006/main" xmlns="" val="1365593166"/>
       </p:ext>
     </p:extLst>
   </p:cSld>

--- a/Alex/Compton Scattering/Compton Scattering.pptx
+++ b/Alex/Compton Scattering/Compton Scattering.pptx
@@ -2,10 +2,10 @@
 <file path=ppt/presentation.xml><?xml version="1.0" encoding="utf-8"?>
 <p:presentation xmlns:a="http://schemas.openxmlformats.org/drawingml/2006/main" xmlns:r="http://schemas.openxmlformats.org/officeDocument/2006/relationships" xmlns:mc="http://schemas.openxmlformats.org/markup-compatibility/2006" xmlns:mv="urn:schemas-microsoft-com:mac:vml" xmlns:p="http://schemas.openxmlformats.org/presentationml/2006/main" mc:Ignorable="mv" mc:PreserveAttributes="mv:*" saveSubsetFonts="1">
   <p:sldMasterIdLst>
-    <p:sldMasterId id="2147483648" r:id="rId1"/>
+    <p:sldMasterId id="2147483696" r:id="rId1"/>
   </p:sldMasterIdLst>
   <p:notesMasterIdLst>
-    <p:notesMasterId r:id="rId13"/>
+    <p:notesMasterId r:id="rId15"/>
   </p:notesMasterIdLst>
   <p:sldIdLst>
     <p:sldId id="256" r:id="rId2"/>
@@ -13,12 +13,14 @@
     <p:sldId id="262" r:id="rId4"/>
     <p:sldId id="264" r:id="rId5"/>
     <p:sldId id="257" r:id="rId6"/>
-    <p:sldId id="258" r:id="rId7"/>
-    <p:sldId id="259" r:id="rId8"/>
-    <p:sldId id="265" r:id="rId9"/>
-    <p:sldId id="260" r:id="rId10"/>
-    <p:sldId id="266" r:id="rId11"/>
-    <p:sldId id="267" r:id="rId12"/>
+    <p:sldId id="269" r:id="rId7"/>
+    <p:sldId id="258" r:id="rId8"/>
+    <p:sldId id="259" r:id="rId9"/>
+    <p:sldId id="265" r:id="rId10"/>
+    <p:sldId id="260" r:id="rId11"/>
+    <p:sldId id="266" r:id="rId12"/>
+    <p:sldId id="268" r:id="rId13"/>
+    <p:sldId id="270" r:id="rId14"/>
   </p:sldIdLst>
   <p:sldSz cx="9144000" cy="6858000" type="screen4x3"/>
   <p:notesSz cx="6858000" cy="9144000"/>
@@ -538,7 +540,7 @@
             <a:fld id="{5602CA8C-51C3-420A-B817-001E3C9005A9}" type="slidenum">
               <a:rPr lang="en-US" smtClean="0"/>
               <a:pPr/>
-              <a:t>9</a:t>
+              <a:t>10</a:t>
             </a:fld>
             <a:endParaRPr lang="en-US"/>
           </a:p>
@@ -595,7 +597,7 @@
           <a:lstStyle/>
           <a:p>
             <a:r>
-              <a:rPr lang="en-US" smtClean="0"/>
+              <a:rPr lang="es-ES_tradnl" smtClean="0"/>
               <a:t>Click to edit Master title style</a:t>
             </a:r>
             <a:endParaRPr lang="en-US"/>
@@ -714,7 +716,7 @@
           </a:lstStyle>
           <a:p>
             <a:r>
-              <a:rPr lang="en-US" smtClean="0"/>
+              <a:rPr lang="es-ES_tradnl" smtClean="0"/>
               <a:t>Click to edit Master subtitle style</a:t>
             </a:r>
             <a:endParaRPr lang="en-US"/>
@@ -789,11 +791,6 @@
         </p:txBody>
       </p:sp>
     </p:spTree>
-    <p:extLst>
-      <p:ext uri="{BB962C8B-B14F-4D97-AF65-F5344CB8AC3E}">
-        <p14:creationId xmlns:p14="http://schemas.microsoft.com/office/powerpoint/2010/main" xmlns:p="http://schemas.openxmlformats.org/presentationml/2006/main" xmlns:r="http://schemas.openxmlformats.org/officeDocument/2006/relationships" xmlns:a="http://schemas.openxmlformats.org/drawingml/2006/main" xmlns="" val="3850348114"/>
-      </p:ext>
-    </p:extLst>
   </p:cSld>
   <p:clrMapOvr>
     <a:masterClrMapping/>
@@ -834,7 +831,7 @@
           <a:lstStyle/>
           <a:p>
             <a:r>
-              <a:rPr lang="en-US" smtClean="0"/>
+              <a:rPr lang="es-ES_tradnl" smtClean="0"/>
               <a:t>Click to edit Master title style</a:t>
             </a:r>
             <a:endParaRPr lang="en-US"/>
@@ -858,35 +855,35 @@
           <a:p>
             <a:pPr lvl="0"/>
             <a:r>
-              <a:rPr lang="en-US" smtClean="0"/>
+              <a:rPr lang="es-ES_tradnl" smtClean="0"/>
               <a:t>Click to edit Master text styles</a:t>
             </a:r>
           </a:p>
           <a:p>
             <a:pPr lvl="1"/>
             <a:r>
-              <a:rPr lang="en-US" smtClean="0"/>
+              <a:rPr lang="es-ES_tradnl" smtClean="0"/>
               <a:t>Second level</a:t>
             </a:r>
           </a:p>
           <a:p>
             <a:pPr lvl="2"/>
             <a:r>
-              <a:rPr lang="en-US" smtClean="0"/>
+              <a:rPr lang="es-ES_tradnl" smtClean="0"/>
               <a:t>Third level</a:t>
             </a:r>
           </a:p>
           <a:p>
             <a:pPr lvl="3"/>
             <a:r>
-              <a:rPr lang="en-US" smtClean="0"/>
+              <a:rPr lang="es-ES_tradnl" smtClean="0"/>
               <a:t>Fourth level</a:t>
             </a:r>
           </a:p>
           <a:p>
             <a:pPr lvl="4"/>
             <a:r>
-              <a:rPr lang="en-US" smtClean="0"/>
+              <a:rPr lang="es-ES_tradnl" smtClean="0"/>
               <a:t>Fifth level</a:t>
             </a:r>
             <a:endParaRPr lang="en-US"/>
@@ -961,11 +958,6 @@
         </p:txBody>
       </p:sp>
     </p:spTree>
-    <p:extLst>
-      <p:ext uri="{BB962C8B-B14F-4D97-AF65-F5344CB8AC3E}">
-        <p14:creationId xmlns:p14="http://schemas.microsoft.com/office/powerpoint/2010/main" xmlns:p="http://schemas.openxmlformats.org/presentationml/2006/main" xmlns:r="http://schemas.openxmlformats.org/officeDocument/2006/relationships" xmlns:a="http://schemas.openxmlformats.org/drawingml/2006/main" xmlns="" val="4237105964"/>
-      </p:ext>
-    </p:extLst>
   </p:cSld>
   <p:clrMapOvr>
     <a:masterClrMapping/>
@@ -1011,7 +1003,7 @@
           <a:lstStyle/>
           <a:p>
             <a:r>
-              <a:rPr lang="en-US" smtClean="0"/>
+              <a:rPr lang="es-ES_tradnl" smtClean="0"/>
               <a:t>Click to edit Master title style</a:t>
             </a:r>
             <a:endParaRPr lang="en-US"/>
@@ -1040,35 +1032,35 @@
           <a:p>
             <a:pPr lvl="0"/>
             <a:r>
-              <a:rPr lang="en-US" smtClean="0"/>
+              <a:rPr lang="es-ES_tradnl" smtClean="0"/>
               <a:t>Click to edit Master text styles</a:t>
             </a:r>
           </a:p>
           <a:p>
             <a:pPr lvl="1"/>
             <a:r>
-              <a:rPr lang="en-US" smtClean="0"/>
+              <a:rPr lang="es-ES_tradnl" smtClean="0"/>
               <a:t>Second level</a:t>
             </a:r>
           </a:p>
           <a:p>
             <a:pPr lvl="2"/>
             <a:r>
-              <a:rPr lang="en-US" smtClean="0"/>
+              <a:rPr lang="es-ES_tradnl" smtClean="0"/>
               <a:t>Third level</a:t>
             </a:r>
           </a:p>
           <a:p>
             <a:pPr lvl="3"/>
             <a:r>
-              <a:rPr lang="en-US" smtClean="0"/>
+              <a:rPr lang="es-ES_tradnl" smtClean="0"/>
               <a:t>Fourth level</a:t>
             </a:r>
           </a:p>
           <a:p>
             <a:pPr lvl="4"/>
             <a:r>
-              <a:rPr lang="en-US" smtClean="0"/>
+              <a:rPr lang="es-ES_tradnl" smtClean="0"/>
               <a:t>Fifth level</a:t>
             </a:r>
             <a:endParaRPr lang="en-US"/>
@@ -1143,11 +1135,6 @@
         </p:txBody>
       </p:sp>
     </p:spTree>
-    <p:extLst>
-      <p:ext uri="{BB962C8B-B14F-4D97-AF65-F5344CB8AC3E}">
-        <p14:creationId xmlns:p14="http://schemas.microsoft.com/office/powerpoint/2010/main" xmlns:p="http://schemas.openxmlformats.org/presentationml/2006/main" xmlns:r="http://schemas.openxmlformats.org/officeDocument/2006/relationships" xmlns:a="http://schemas.openxmlformats.org/drawingml/2006/main" xmlns="" val="1404799577"/>
-      </p:ext>
-    </p:extLst>
   </p:cSld>
   <p:clrMapOvr>
     <a:masterClrMapping/>
@@ -1188,7 +1175,7 @@
           <a:lstStyle/>
           <a:p>
             <a:r>
-              <a:rPr lang="en-US" smtClean="0"/>
+              <a:rPr lang="es-ES_tradnl" smtClean="0"/>
               <a:t>Click to edit Master title style</a:t>
             </a:r>
             <a:endParaRPr lang="en-US"/>
@@ -1212,35 +1199,35 @@
           <a:p>
             <a:pPr lvl="0"/>
             <a:r>
-              <a:rPr lang="en-US" smtClean="0"/>
+              <a:rPr lang="es-ES_tradnl" smtClean="0"/>
               <a:t>Click to edit Master text styles</a:t>
             </a:r>
           </a:p>
           <a:p>
             <a:pPr lvl="1"/>
             <a:r>
-              <a:rPr lang="en-US" smtClean="0"/>
+              <a:rPr lang="es-ES_tradnl" smtClean="0"/>
               <a:t>Second level</a:t>
             </a:r>
           </a:p>
           <a:p>
             <a:pPr lvl="2"/>
             <a:r>
-              <a:rPr lang="en-US" smtClean="0"/>
+              <a:rPr lang="es-ES_tradnl" smtClean="0"/>
               <a:t>Third level</a:t>
             </a:r>
           </a:p>
           <a:p>
             <a:pPr lvl="3"/>
             <a:r>
-              <a:rPr lang="en-US" smtClean="0"/>
+              <a:rPr lang="es-ES_tradnl" smtClean="0"/>
               <a:t>Fourth level</a:t>
             </a:r>
           </a:p>
           <a:p>
             <a:pPr lvl="4"/>
             <a:r>
-              <a:rPr lang="en-US" smtClean="0"/>
+              <a:rPr lang="es-ES_tradnl" smtClean="0"/>
               <a:t>Fifth level</a:t>
             </a:r>
             <a:endParaRPr lang="en-US"/>
@@ -1315,11 +1302,6 @@
         </p:txBody>
       </p:sp>
     </p:spTree>
-    <p:extLst>
-      <p:ext uri="{BB962C8B-B14F-4D97-AF65-F5344CB8AC3E}">
-        <p14:creationId xmlns:p14="http://schemas.microsoft.com/office/powerpoint/2010/main" xmlns:p="http://schemas.openxmlformats.org/presentationml/2006/main" xmlns:r="http://schemas.openxmlformats.org/officeDocument/2006/relationships" xmlns:a="http://schemas.openxmlformats.org/drawingml/2006/main" xmlns="" val="4214514416"/>
-      </p:ext>
-    </p:extLst>
   </p:cSld>
   <p:clrMapOvr>
     <a:masterClrMapping/>
@@ -1369,7 +1351,7 @@
           </a:lstStyle>
           <a:p>
             <a:r>
-              <a:rPr lang="en-US" smtClean="0"/>
+              <a:rPr lang="es-ES_tradnl" smtClean="0"/>
               <a:t>Click to edit Master title style</a:t>
             </a:r>
             <a:endParaRPr lang="en-US"/>
@@ -1489,7 +1471,7 @@
           <a:p>
             <a:pPr lvl="0"/>
             <a:r>
-              <a:rPr lang="en-US" smtClean="0"/>
+              <a:rPr lang="es-ES_tradnl" smtClean="0"/>
               <a:t>Click to edit Master text styles</a:t>
             </a:r>
           </a:p>
@@ -1563,11 +1545,6 @@
         </p:txBody>
       </p:sp>
     </p:spTree>
-    <p:extLst>
-      <p:ext uri="{BB962C8B-B14F-4D97-AF65-F5344CB8AC3E}">
-        <p14:creationId xmlns:p14="http://schemas.microsoft.com/office/powerpoint/2010/main" xmlns:p="http://schemas.openxmlformats.org/presentationml/2006/main" xmlns:r="http://schemas.openxmlformats.org/officeDocument/2006/relationships" xmlns:a="http://schemas.openxmlformats.org/drawingml/2006/main" xmlns="" val="2104197821"/>
-      </p:ext>
-    </p:extLst>
   </p:cSld>
   <p:clrMapOvr>
     <a:masterClrMapping/>
@@ -1608,7 +1585,7 @@
           <a:lstStyle/>
           <a:p>
             <a:r>
-              <a:rPr lang="en-US" smtClean="0"/>
+              <a:rPr lang="es-ES_tradnl" smtClean="0"/>
               <a:t>Click to edit Master title style</a:t>
             </a:r>
             <a:endParaRPr lang="en-US"/>
@@ -1665,35 +1642,35 @@
           <a:p>
             <a:pPr lvl="0"/>
             <a:r>
-              <a:rPr lang="en-US" smtClean="0"/>
+              <a:rPr lang="es-ES_tradnl" smtClean="0"/>
               <a:t>Click to edit Master text styles</a:t>
             </a:r>
           </a:p>
           <a:p>
             <a:pPr lvl="1"/>
             <a:r>
-              <a:rPr lang="en-US" smtClean="0"/>
+              <a:rPr lang="es-ES_tradnl" smtClean="0"/>
               <a:t>Second level</a:t>
             </a:r>
           </a:p>
           <a:p>
             <a:pPr lvl="2"/>
             <a:r>
-              <a:rPr lang="en-US" smtClean="0"/>
+              <a:rPr lang="es-ES_tradnl" smtClean="0"/>
               <a:t>Third level</a:t>
             </a:r>
           </a:p>
           <a:p>
             <a:pPr lvl="3"/>
             <a:r>
-              <a:rPr lang="en-US" smtClean="0"/>
+              <a:rPr lang="es-ES_tradnl" smtClean="0"/>
               <a:t>Fourth level</a:t>
             </a:r>
           </a:p>
           <a:p>
             <a:pPr lvl="4"/>
             <a:r>
-              <a:rPr lang="en-US" smtClean="0"/>
+              <a:rPr lang="es-ES_tradnl" smtClean="0"/>
               <a:t>Fifth level</a:t>
             </a:r>
             <a:endParaRPr lang="en-US"/>
@@ -1750,35 +1727,35 @@
           <a:p>
             <a:pPr lvl="0"/>
             <a:r>
-              <a:rPr lang="en-US" smtClean="0"/>
+              <a:rPr lang="es-ES_tradnl" smtClean="0"/>
               <a:t>Click to edit Master text styles</a:t>
             </a:r>
           </a:p>
           <a:p>
             <a:pPr lvl="1"/>
             <a:r>
-              <a:rPr lang="en-US" smtClean="0"/>
+              <a:rPr lang="es-ES_tradnl" smtClean="0"/>
               <a:t>Second level</a:t>
             </a:r>
           </a:p>
           <a:p>
             <a:pPr lvl="2"/>
             <a:r>
-              <a:rPr lang="en-US" smtClean="0"/>
+              <a:rPr lang="es-ES_tradnl" smtClean="0"/>
               <a:t>Third level</a:t>
             </a:r>
           </a:p>
           <a:p>
             <a:pPr lvl="3"/>
             <a:r>
-              <a:rPr lang="en-US" smtClean="0"/>
+              <a:rPr lang="es-ES_tradnl" smtClean="0"/>
               <a:t>Fourth level</a:t>
             </a:r>
           </a:p>
           <a:p>
             <a:pPr lvl="4"/>
             <a:r>
-              <a:rPr lang="en-US" smtClean="0"/>
+              <a:rPr lang="es-ES_tradnl" smtClean="0"/>
               <a:t>Fifth level</a:t>
             </a:r>
             <a:endParaRPr lang="en-US"/>
@@ -1853,11 +1830,6 @@
         </p:txBody>
       </p:sp>
     </p:spTree>
-    <p:extLst>
-      <p:ext uri="{BB962C8B-B14F-4D97-AF65-F5344CB8AC3E}">
-        <p14:creationId xmlns:p14="http://schemas.microsoft.com/office/powerpoint/2010/main" xmlns:p="http://schemas.openxmlformats.org/presentationml/2006/main" xmlns:r="http://schemas.openxmlformats.org/officeDocument/2006/relationships" xmlns:a="http://schemas.openxmlformats.org/drawingml/2006/main" xmlns="" val="710996255"/>
-      </p:ext>
-    </p:extLst>
   </p:cSld>
   <p:clrMapOvr>
     <a:masterClrMapping/>
@@ -1902,7 +1874,7 @@
           </a:lstStyle>
           <a:p>
             <a:r>
-              <a:rPr lang="en-US" smtClean="0"/>
+              <a:rPr lang="es-ES_tradnl" smtClean="0"/>
               <a:t>Click to edit Master title style</a:t>
             </a:r>
             <a:endParaRPr lang="en-US"/>
@@ -1968,7 +1940,7 @@
           <a:p>
             <a:pPr lvl="0"/>
             <a:r>
-              <a:rPr lang="en-US" smtClean="0"/>
+              <a:rPr lang="es-ES_tradnl" smtClean="0"/>
               <a:t>Click to edit Master text styles</a:t>
             </a:r>
           </a:p>
@@ -2024,35 +1996,35 @@
           <a:p>
             <a:pPr lvl="0"/>
             <a:r>
-              <a:rPr lang="en-US" smtClean="0"/>
+              <a:rPr lang="es-ES_tradnl" smtClean="0"/>
               <a:t>Click to edit Master text styles</a:t>
             </a:r>
           </a:p>
           <a:p>
             <a:pPr lvl="1"/>
             <a:r>
-              <a:rPr lang="en-US" smtClean="0"/>
+              <a:rPr lang="es-ES_tradnl" smtClean="0"/>
               <a:t>Second level</a:t>
             </a:r>
           </a:p>
           <a:p>
             <a:pPr lvl="2"/>
             <a:r>
-              <a:rPr lang="en-US" smtClean="0"/>
+              <a:rPr lang="es-ES_tradnl" smtClean="0"/>
               <a:t>Third level</a:t>
             </a:r>
           </a:p>
           <a:p>
             <a:pPr lvl="3"/>
             <a:r>
-              <a:rPr lang="en-US" smtClean="0"/>
+              <a:rPr lang="es-ES_tradnl" smtClean="0"/>
               <a:t>Fourth level</a:t>
             </a:r>
           </a:p>
           <a:p>
             <a:pPr lvl="4"/>
             <a:r>
-              <a:rPr lang="en-US" smtClean="0"/>
+              <a:rPr lang="es-ES_tradnl" smtClean="0"/>
               <a:t>Fifth level</a:t>
             </a:r>
             <a:endParaRPr lang="en-US"/>
@@ -2118,7 +2090,7 @@
           <a:p>
             <a:pPr lvl="0"/>
             <a:r>
-              <a:rPr lang="en-US" smtClean="0"/>
+              <a:rPr lang="es-ES_tradnl" smtClean="0"/>
               <a:t>Click to edit Master text styles</a:t>
             </a:r>
           </a:p>
@@ -2174,35 +2146,35 @@
           <a:p>
             <a:pPr lvl="0"/>
             <a:r>
-              <a:rPr lang="en-US" smtClean="0"/>
+              <a:rPr lang="es-ES_tradnl" smtClean="0"/>
               <a:t>Click to edit Master text styles</a:t>
             </a:r>
           </a:p>
           <a:p>
             <a:pPr lvl="1"/>
             <a:r>
-              <a:rPr lang="en-US" smtClean="0"/>
+              <a:rPr lang="es-ES_tradnl" smtClean="0"/>
               <a:t>Second level</a:t>
             </a:r>
           </a:p>
           <a:p>
             <a:pPr lvl="2"/>
             <a:r>
-              <a:rPr lang="en-US" smtClean="0"/>
+              <a:rPr lang="es-ES_tradnl" smtClean="0"/>
               <a:t>Third level</a:t>
             </a:r>
           </a:p>
           <a:p>
             <a:pPr lvl="3"/>
             <a:r>
-              <a:rPr lang="en-US" smtClean="0"/>
+              <a:rPr lang="es-ES_tradnl" smtClean="0"/>
               <a:t>Fourth level</a:t>
             </a:r>
           </a:p>
           <a:p>
             <a:pPr lvl="4"/>
             <a:r>
-              <a:rPr lang="en-US" smtClean="0"/>
+              <a:rPr lang="es-ES_tradnl" smtClean="0"/>
               <a:t>Fifth level</a:t>
             </a:r>
             <a:endParaRPr lang="en-US"/>
@@ -2277,11 +2249,6 @@
         </p:txBody>
       </p:sp>
     </p:spTree>
-    <p:extLst>
-      <p:ext uri="{BB962C8B-B14F-4D97-AF65-F5344CB8AC3E}">
-        <p14:creationId xmlns:p14="http://schemas.microsoft.com/office/powerpoint/2010/main" xmlns:p="http://schemas.openxmlformats.org/presentationml/2006/main" xmlns:r="http://schemas.openxmlformats.org/officeDocument/2006/relationships" xmlns:a="http://schemas.openxmlformats.org/drawingml/2006/main" xmlns="" val="532115072"/>
-      </p:ext>
-    </p:extLst>
   </p:cSld>
   <p:clrMapOvr>
     <a:masterClrMapping/>
@@ -2322,7 +2289,7 @@
           <a:lstStyle/>
           <a:p>
             <a:r>
-              <a:rPr lang="en-US" smtClean="0"/>
+              <a:rPr lang="es-ES_tradnl" smtClean="0"/>
               <a:t>Click to edit Master title style</a:t>
             </a:r>
             <a:endParaRPr lang="en-US"/>
@@ -2397,11 +2364,6 @@
         </p:txBody>
       </p:sp>
     </p:spTree>
-    <p:extLst>
-      <p:ext uri="{BB962C8B-B14F-4D97-AF65-F5344CB8AC3E}">
-        <p14:creationId xmlns:p14="http://schemas.microsoft.com/office/powerpoint/2010/main" xmlns:p="http://schemas.openxmlformats.org/presentationml/2006/main" xmlns:r="http://schemas.openxmlformats.org/officeDocument/2006/relationships" xmlns:a="http://schemas.openxmlformats.org/drawingml/2006/main" xmlns="" val="1132295558"/>
-      </p:ext>
-    </p:extLst>
   </p:cSld>
   <p:clrMapOvr>
     <a:masterClrMapping/>
@@ -2494,11 +2456,6 @@
         </p:txBody>
       </p:sp>
     </p:spTree>
-    <p:extLst>
-      <p:ext uri="{BB962C8B-B14F-4D97-AF65-F5344CB8AC3E}">
-        <p14:creationId xmlns:p14="http://schemas.microsoft.com/office/powerpoint/2010/main" xmlns:p="http://schemas.openxmlformats.org/presentationml/2006/main" xmlns:r="http://schemas.openxmlformats.org/officeDocument/2006/relationships" xmlns:a="http://schemas.openxmlformats.org/drawingml/2006/main" xmlns="" val="460028982"/>
-      </p:ext>
-    </p:extLst>
   </p:cSld>
   <p:clrMapOvr>
     <a:masterClrMapping/>
@@ -2548,7 +2505,7 @@
           </a:lstStyle>
           <a:p>
             <a:r>
-              <a:rPr lang="en-US" smtClean="0"/>
+              <a:rPr lang="es-ES_tradnl" smtClean="0"/>
               <a:t>Click to edit Master title style</a:t>
             </a:r>
             <a:endParaRPr lang="en-US"/>
@@ -2605,35 +2562,35 @@
           <a:p>
             <a:pPr lvl="0"/>
             <a:r>
-              <a:rPr lang="en-US" smtClean="0"/>
+              <a:rPr lang="es-ES_tradnl" smtClean="0"/>
               <a:t>Click to edit Master text styles</a:t>
             </a:r>
           </a:p>
           <a:p>
             <a:pPr lvl="1"/>
             <a:r>
-              <a:rPr lang="en-US" smtClean="0"/>
+              <a:rPr lang="es-ES_tradnl" smtClean="0"/>
               <a:t>Second level</a:t>
             </a:r>
           </a:p>
           <a:p>
             <a:pPr lvl="2"/>
             <a:r>
-              <a:rPr lang="en-US" smtClean="0"/>
+              <a:rPr lang="es-ES_tradnl" smtClean="0"/>
               <a:t>Third level</a:t>
             </a:r>
           </a:p>
           <a:p>
             <a:pPr lvl="3"/>
             <a:r>
-              <a:rPr lang="en-US" smtClean="0"/>
+              <a:rPr lang="es-ES_tradnl" smtClean="0"/>
               <a:t>Fourth level</a:t>
             </a:r>
           </a:p>
           <a:p>
             <a:pPr lvl="4"/>
             <a:r>
-              <a:rPr lang="en-US" smtClean="0"/>
+              <a:rPr lang="es-ES_tradnl" smtClean="0"/>
               <a:t>Fifth level</a:t>
             </a:r>
             <a:endParaRPr lang="en-US"/>
@@ -2699,7 +2656,7 @@
           <a:p>
             <a:pPr lvl="0"/>
             <a:r>
-              <a:rPr lang="en-US" smtClean="0"/>
+              <a:rPr lang="es-ES_tradnl" smtClean="0"/>
               <a:t>Click to edit Master text styles</a:t>
             </a:r>
           </a:p>
@@ -2773,11 +2730,6 @@
         </p:txBody>
       </p:sp>
     </p:spTree>
-    <p:extLst>
-      <p:ext uri="{BB962C8B-B14F-4D97-AF65-F5344CB8AC3E}">
-        <p14:creationId xmlns:p14="http://schemas.microsoft.com/office/powerpoint/2010/main" xmlns:p="http://schemas.openxmlformats.org/presentationml/2006/main" xmlns:r="http://schemas.openxmlformats.org/officeDocument/2006/relationships" xmlns:a="http://schemas.openxmlformats.org/drawingml/2006/main" xmlns="" val="522259721"/>
-      </p:ext>
-    </p:extLst>
   </p:cSld>
   <p:clrMapOvr>
     <a:masterClrMapping/>
@@ -2827,7 +2779,7 @@
           </a:lstStyle>
           <a:p>
             <a:r>
-              <a:rPr lang="en-US" smtClean="0"/>
+              <a:rPr lang="es-ES_tradnl" smtClean="0"/>
               <a:t>Click to edit Master title style</a:t>
             </a:r>
             <a:endParaRPr lang="en-US"/>
@@ -2954,7 +2906,7 @@
           <a:p>
             <a:pPr lvl="0"/>
             <a:r>
-              <a:rPr lang="en-US" smtClean="0"/>
+              <a:rPr lang="es-ES_tradnl" smtClean="0"/>
               <a:t>Click to edit Master text styles</a:t>
             </a:r>
           </a:p>
@@ -3028,11 +2980,6 @@
         </p:txBody>
       </p:sp>
     </p:spTree>
-    <p:extLst>
-      <p:ext uri="{BB962C8B-B14F-4D97-AF65-F5344CB8AC3E}">
-        <p14:creationId xmlns:p14="http://schemas.microsoft.com/office/powerpoint/2010/main" xmlns:p="http://schemas.openxmlformats.org/presentationml/2006/main" xmlns:r="http://schemas.openxmlformats.org/officeDocument/2006/relationships" xmlns:a="http://schemas.openxmlformats.org/drawingml/2006/main" xmlns="" val="2511953573"/>
-      </p:ext>
-    </p:extLst>
   </p:cSld>
   <p:clrMapOvr>
     <a:masterClrMapping/>
@@ -3088,7 +3035,7 @@
           <a:lstStyle/>
           <a:p>
             <a:r>
-              <a:rPr lang="en-US" smtClean="0"/>
+              <a:rPr lang="es-ES_tradnl" smtClean="0"/>
               <a:t>Click to edit Master title style</a:t>
             </a:r>
             <a:endParaRPr lang="en-US"/>
@@ -3122,35 +3069,35 @@
           <a:p>
             <a:pPr lvl="0"/>
             <a:r>
-              <a:rPr lang="en-US" smtClean="0"/>
+              <a:rPr lang="es-ES_tradnl" smtClean="0"/>
               <a:t>Click to edit Master text styles</a:t>
             </a:r>
           </a:p>
           <a:p>
             <a:pPr lvl="1"/>
             <a:r>
-              <a:rPr lang="en-US" smtClean="0"/>
+              <a:rPr lang="es-ES_tradnl" smtClean="0"/>
               <a:t>Second level</a:t>
             </a:r>
           </a:p>
           <a:p>
             <a:pPr lvl="2"/>
             <a:r>
-              <a:rPr lang="en-US" smtClean="0"/>
+              <a:rPr lang="es-ES_tradnl" smtClean="0"/>
               <a:t>Third level</a:t>
             </a:r>
           </a:p>
           <a:p>
             <a:pPr lvl="3"/>
             <a:r>
-              <a:rPr lang="en-US" smtClean="0"/>
+              <a:rPr lang="es-ES_tradnl" smtClean="0"/>
               <a:t>Fourth level</a:t>
             </a:r>
           </a:p>
           <a:p>
             <a:pPr lvl="4"/>
             <a:r>
-              <a:rPr lang="en-US" smtClean="0"/>
+              <a:rPr lang="es-ES_tradnl" smtClean="0"/>
               <a:t>Fifth level</a:t>
             </a:r>
             <a:endParaRPr lang="en-US"/>
@@ -3279,29 +3226,24 @@
         </p:txBody>
       </p:sp>
     </p:spTree>
-    <p:extLst>
-      <p:ext uri="{BB962C8B-B14F-4D97-AF65-F5344CB8AC3E}">
-        <p14:creationId xmlns:p14="http://schemas.microsoft.com/office/powerpoint/2010/main" xmlns:p="http://schemas.openxmlformats.org/presentationml/2006/main" xmlns:r="http://schemas.openxmlformats.org/officeDocument/2006/relationships" xmlns:a="http://schemas.openxmlformats.org/drawingml/2006/main" xmlns="" val="1641947359"/>
-      </p:ext>
-    </p:extLst>
   </p:cSld>
   <p:clrMap bg1="lt1" tx1="dk1" bg2="lt2" tx2="dk2" accent1="accent1" accent2="accent2" accent3="accent3" accent4="accent4" accent5="accent5" accent6="accent6" hlink="hlink" folHlink="folHlink"/>
   <p:sldLayoutIdLst>
-    <p:sldLayoutId id="2147483649" r:id="rId1"/>
-    <p:sldLayoutId id="2147483650" r:id="rId2"/>
-    <p:sldLayoutId id="2147483651" r:id="rId3"/>
-    <p:sldLayoutId id="2147483652" r:id="rId4"/>
-    <p:sldLayoutId id="2147483653" r:id="rId5"/>
-    <p:sldLayoutId id="2147483654" r:id="rId6"/>
-    <p:sldLayoutId id="2147483655" r:id="rId7"/>
-    <p:sldLayoutId id="2147483656" r:id="rId8"/>
-    <p:sldLayoutId id="2147483657" r:id="rId9"/>
-    <p:sldLayoutId id="2147483658" r:id="rId10"/>
-    <p:sldLayoutId id="2147483659" r:id="rId11"/>
+    <p:sldLayoutId id="2147483697" r:id="rId1"/>
+    <p:sldLayoutId id="2147483698" r:id="rId2"/>
+    <p:sldLayoutId id="2147483699" r:id="rId3"/>
+    <p:sldLayoutId id="2147483700" r:id="rId4"/>
+    <p:sldLayoutId id="2147483701" r:id="rId5"/>
+    <p:sldLayoutId id="2147483702" r:id="rId6"/>
+    <p:sldLayoutId id="2147483703" r:id="rId7"/>
+    <p:sldLayoutId id="2147483704" r:id="rId8"/>
+    <p:sldLayoutId id="2147483705" r:id="rId9"/>
+    <p:sldLayoutId id="2147483706" r:id="rId10"/>
+    <p:sldLayoutId id="2147483707" r:id="rId11"/>
   </p:sldLayoutIdLst>
   <p:txStyles>
     <p:titleStyle>
-      <a:lvl1pPr algn="ctr" defTabSz="914400" rtl="0" eaLnBrk="1" latinLnBrk="0" hangingPunct="1">
+      <a:lvl1pPr algn="ctr" defTabSz="457200" rtl="0" eaLnBrk="1" latinLnBrk="0" hangingPunct="1">
         <a:spcBef>
           <a:spcPct val="0"/>
         </a:spcBef>
@@ -3317,11 +3259,11 @@
       </a:lvl1pPr>
     </p:titleStyle>
     <p:bodyStyle>
-      <a:lvl1pPr marL="342900" indent="-342900" algn="l" defTabSz="914400" rtl="0" eaLnBrk="1" latinLnBrk="0" hangingPunct="1">
+      <a:lvl1pPr marL="342900" indent="-342900" algn="l" defTabSz="457200" rtl="0" eaLnBrk="1" latinLnBrk="0" hangingPunct="1">
         <a:spcBef>
           <a:spcPct val="20000"/>
         </a:spcBef>
-        <a:buFont typeface="Arial" panose="020B0604020202020204" pitchFamily="34" charset="0"/>
+        <a:buFont typeface="Arial"/>
         <a:buChar char="•"/>
         <a:defRPr sz="3200" kern="1200">
           <a:solidFill>
@@ -3332,11 +3274,11 @@
           <a:cs typeface="+mn-cs"/>
         </a:defRPr>
       </a:lvl1pPr>
-      <a:lvl2pPr marL="742950" indent="-285750" algn="l" defTabSz="914400" rtl="0" eaLnBrk="1" latinLnBrk="0" hangingPunct="1">
+      <a:lvl2pPr marL="742950" indent="-285750" algn="l" defTabSz="457200" rtl="0" eaLnBrk="1" latinLnBrk="0" hangingPunct="1">
         <a:spcBef>
           <a:spcPct val="20000"/>
         </a:spcBef>
-        <a:buFont typeface="Arial" panose="020B0604020202020204" pitchFamily="34" charset="0"/>
+        <a:buFont typeface="Arial"/>
         <a:buChar char="–"/>
         <a:defRPr sz="2800" kern="1200">
           <a:solidFill>
@@ -3347,11 +3289,11 @@
           <a:cs typeface="+mn-cs"/>
         </a:defRPr>
       </a:lvl2pPr>
-      <a:lvl3pPr marL="1143000" indent="-228600" algn="l" defTabSz="914400" rtl="0" eaLnBrk="1" latinLnBrk="0" hangingPunct="1">
+      <a:lvl3pPr marL="1143000" indent="-228600" algn="l" defTabSz="457200" rtl="0" eaLnBrk="1" latinLnBrk="0" hangingPunct="1">
         <a:spcBef>
           <a:spcPct val="20000"/>
         </a:spcBef>
-        <a:buFont typeface="Arial" panose="020B0604020202020204" pitchFamily="34" charset="0"/>
+        <a:buFont typeface="Arial"/>
         <a:buChar char="•"/>
         <a:defRPr sz="2400" kern="1200">
           <a:solidFill>
@@ -3362,11 +3304,11 @@
           <a:cs typeface="+mn-cs"/>
         </a:defRPr>
       </a:lvl3pPr>
-      <a:lvl4pPr marL="1600200" indent="-228600" algn="l" defTabSz="914400" rtl="0" eaLnBrk="1" latinLnBrk="0" hangingPunct="1">
+      <a:lvl4pPr marL="1600200" indent="-228600" algn="l" defTabSz="457200" rtl="0" eaLnBrk="1" latinLnBrk="0" hangingPunct="1">
         <a:spcBef>
           <a:spcPct val="20000"/>
         </a:spcBef>
-        <a:buFont typeface="Arial" panose="020B0604020202020204" pitchFamily="34" charset="0"/>
+        <a:buFont typeface="Arial"/>
         <a:buChar char="–"/>
         <a:defRPr sz="2000" kern="1200">
           <a:solidFill>
@@ -3377,11 +3319,11 @@
           <a:cs typeface="+mn-cs"/>
         </a:defRPr>
       </a:lvl4pPr>
-      <a:lvl5pPr marL="2057400" indent="-228600" algn="l" defTabSz="914400" rtl="0" eaLnBrk="1" latinLnBrk="0" hangingPunct="1">
+      <a:lvl5pPr marL="2057400" indent="-228600" algn="l" defTabSz="457200" rtl="0" eaLnBrk="1" latinLnBrk="0" hangingPunct="1">
         <a:spcBef>
           <a:spcPct val="20000"/>
         </a:spcBef>
-        <a:buFont typeface="Arial" panose="020B0604020202020204" pitchFamily="34" charset="0"/>
+        <a:buFont typeface="Arial"/>
         <a:buChar char="»"/>
         <a:defRPr sz="2000" kern="1200">
           <a:solidFill>
@@ -3392,11 +3334,11 @@
           <a:cs typeface="+mn-cs"/>
         </a:defRPr>
       </a:lvl5pPr>
-      <a:lvl6pPr marL="2514600" indent="-228600" algn="l" defTabSz="914400" rtl="0" eaLnBrk="1" latinLnBrk="0" hangingPunct="1">
+      <a:lvl6pPr marL="2514600" indent="-228600" algn="l" defTabSz="457200" rtl="0" eaLnBrk="1" latinLnBrk="0" hangingPunct="1">
         <a:spcBef>
           <a:spcPct val="20000"/>
         </a:spcBef>
-        <a:buFont typeface="Arial" panose="020B0604020202020204" pitchFamily="34" charset="0"/>
+        <a:buFont typeface="Arial"/>
         <a:buChar char="•"/>
         <a:defRPr sz="2000" kern="1200">
           <a:solidFill>
@@ -3407,11 +3349,11 @@
           <a:cs typeface="+mn-cs"/>
         </a:defRPr>
       </a:lvl6pPr>
-      <a:lvl7pPr marL="2971800" indent="-228600" algn="l" defTabSz="914400" rtl="0" eaLnBrk="1" latinLnBrk="0" hangingPunct="1">
+      <a:lvl7pPr marL="2971800" indent="-228600" algn="l" defTabSz="457200" rtl="0" eaLnBrk="1" latinLnBrk="0" hangingPunct="1">
         <a:spcBef>
           <a:spcPct val="20000"/>
         </a:spcBef>
-        <a:buFont typeface="Arial" panose="020B0604020202020204" pitchFamily="34" charset="0"/>
+        <a:buFont typeface="Arial"/>
         <a:buChar char="•"/>
         <a:defRPr sz="2000" kern="1200">
           <a:solidFill>
@@ -3422,11 +3364,11 @@
           <a:cs typeface="+mn-cs"/>
         </a:defRPr>
       </a:lvl7pPr>
-      <a:lvl8pPr marL="3429000" indent="-228600" algn="l" defTabSz="914400" rtl="0" eaLnBrk="1" latinLnBrk="0" hangingPunct="1">
+      <a:lvl8pPr marL="3429000" indent="-228600" algn="l" defTabSz="457200" rtl="0" eaLnBrk="1" latinLnBrk="0" hangingPunct="1">
         <a:spcBef>
           <a:spcPct val="20000"/>
         </a:spcBef>
-        <a:buFont typeface="Arial" panose="020B0604020202020204" pitchFamily="34" charset="0"/>
+        <a:buFont typeface="Arial"/>
         <a:buChar char="•"/>
         <a:defRPr sz="2000" kern="1200">
           <a:solidFill>
@@ -3437,11 +3379,11 @@
           <a:cs typeface="+mn-cs"/>
         </a:defRPr>
       </a:lvl8pPr>
-      <a:lvl9pPr marL="3886200" indent="-228600" algn="l" defTabSz="914400" rtl="0" eaLnBrk="1" latinLnBrk="0" hangingPunct="1">
+      <a:lvl9pPr marL="3886200" indent="-228600" algn="l" defTabSz="457200" rtl="0" eaLnBrk="1" latinLnBrk="0" hangingPunct="1">
         <a:spcBef>
           <a:spcPct val="20000"/>
         </a:spcBef>
-        <a:buFont typeface="Arial" panose="020B0604020202020204" pitchFamily="34" charset="0"/>
+        <a:buFont typeface="Arial"/>
         <a:buChar char="•"/>
         <a:defRPr sz="2000" kern="1200">
           <a:solidFill>
@@ -3457,7 +3399,7 @@
       <a:defPPr>
         <a:defRPr lang="en-US"/>
       </a:defPPr>
-      <a:lvl1pPr marL="0" algn="l" defTabSz="914400" rtl="0" eaLnBrk="1" latinLnBrk="0" hangingPunct="1">
+      <a:lvl1pPr marL="0" algn="l" defTabSz="457200" rtl="0" eaLnBrk="1" latinLnBrk="0" hangingPunct="1">
         <a:defRPr sz="1800" kern="1200">
           <a:solidFill>
             <a:schemeClr val="tx1"/>
@@ -3467,7 +3409,7 @@
           <a:cs typeface="+mn-cs"/>
         </a:defRPr>
       </a:lvl1pPr>
-      <a:lvl2pPr marL="457200" algn="l" defTabSz="914400" rtl="0" eaLnBrk="1" latinLnBrk="0" hangingPunct="1">
+      <a:lvl2pPr marL="457200" algn="l" defTabSz="457200" rtl="0" eaLnBrk="1" latinLnBrk="0" hangingPunct="1">
         <a:defRPr sz="1800" kern="1200">
           <a:solidFill>
             <a:schemeClr val="tx1"/>
@@ -3477,7 +3419,7 @@
           <a:cs typeface="+mn-cs"/>
         </a:defRPr>
       </a:lvl2pPr>
-      <a:lvl3pPr marL="914400" algn="l" defTabSz="914400" rtl="0" eaLnBrk="1" latinLnBrk="0" hangingPunct="1">
+      <a:lvl3pPr marL="914400" algn="l" defTabSz="457200" rtl="0" eaLnBrk="1" latinLnBrk="0" hangingPunct="1">
         <a:defRPr sz="1800" kern="1200">
           <a:solidFill>
             <a:schemeClr val="tx1"/>
@@ -3487,7 +3429,7 @@
           <a:cs typeface="+mn-cs"/>
         </a:defRPr>
       </a:lvl3pPr>
-      <a:lvl4pPr marL="1371600" algn="l" defTabSz="914400" rtl="0" eaLnBrk="1" latinLnBrk="0" hangingPunct="1">
+      <a:lvl4pPr marL="1371600" algn="l" defTabSz="457200" rtl="0" eaLnBrk="1" latinLnBrk="0" hangingPunct="1">
         <a:defRPr sz="1800" kern="1200">
           <a:solidFill>
             <a:schemeClr val="tx1"/>
@@ -3497,7 +3439,7 @@
           <a:cs typeface="+mn-cs"/>
         </a:defRPr>
       </a:lvl4pPr>
-      <a:lvl5pPr marL="1828800" algn="l" defTabSz="914400" rtl="0" eaLnBrk="1" latinLnBrk="0" hangingPunct="1">
+      <a:lvl5pPr marL="1828800" algn="l" defTabSz="457200" rtl="0" eaLnBrk="1" latinLnBrk="0" hangingPunct="1">
         <a:defRPr sz="1800" kern="1200">
           <a:solidFill>
             <a:schemeClr val="tx1"/>
@@ -3507,7 +3449,7 @@
           <a:cs typeface="+mn-cs"/>
         </a:defRPr>
       </a:lvl5pPr>
-      <a:lvl6pPr marL="2286000" algn="l" defTabSz="914400" rtl="0" eaLnBrk="1" latinLnBrk="0" hangingPunct="1">
+      <a:lvl6pPr marL="2286000" algn="l" defTabSz="457200" rtl="0" eaLnBrk="1" latinLnBrk="0" hangingPunct="1">
         <a:defRPr sz="1800" kern="1200">
           <a:solidFill>
             <a:schemeClr val="tx1"/>
@@ -3517,7 +3459,7 @@
           <a:cs typeface="+mn-cs"/>
         </a:defRPr>
       </a:lvl6pPr>
-      <a:lvl7pPr marL="2743200" algn="l" defTabSz="914400" rtl="0" eaLnBrk="1" latinLnBrk="0" hangingPunct="1">
+      <a:lvl7pPr marL="2743200" algn="l" defTabSz="457200" rtl="0" eaLnBrk="1" latinLnBrk="0" hangingPunct="1">
         <a:defRPr sz="1800" kern="1200">
           <a:solidFill>
             <a:schemeClr val="tx1"/>
@@ -3527,7 +3469,7 @@
           <a:cs typeface="+mn-cs"/>
         </a:defRPr>
       </a:lvl7pPr>
-      <a:lvl8pPr marL="3200400" algn="l" defTabSz="914400" rtl="0" eaLnBrk="1" latinLnBrk="0" hangingPunct="1">
+      <a:lvl8pPr marL="3200400" algn="l" defTabSz="457200" rtl="0" eaLnBrk="1" latinLnBrk="0" hangingPunct="1">
         <a:defRPr sz="1800" kern="1200">
           <a:solidFill>
             <a:schemeClr val="tx1"/>
@@ -3537,7 +3479,7 @@
           <a:cs typeface="+mn-cs"/>
         </a:defRPr>
       </a:lvl8pPr>
-      <a:lvl9pPr marL="3657600" algn="l" defTabSz="914400" rtl="0" eaLnBrk="1" latinLnBrk="0" hangingPunct="1">
+      <a:lvl9pPr marL="3657600" algn="l" defTabSz="457200" rtl="0" eaLnBrk="1" latinLnBrk="0" hangingPunct="1">
         <a:defRPr sz="1800" kern="1200">
           <a:solidFill>
             <a:schemeClr val="tx1"/>
@@ -3649,6 +3591,77 @@
           <a:chExt cx="0" cy="0"/>
         </a:xfrm>
       </p:grpSpPr>
+      <p:pic>
+        <p:nvPicPr>
+          <p:cNvPr id="4098" name="Picture 2" descr="C:\Users\Administrator\Desktop\PHYS211\phys211\Alex\Compton Scattering\plots\compton_fit.png"/>
+          <p:cNvPicPr>
+            <a:picLocks noChangeAspect="1" noChangeArrowheads="1"/>
+          </p:cNvPicPr>
+          <p:nvPr/>
+        </p:nvPicPr>
+        <p:blipFill>
+          <a:blip r:embed="rId3">
+            <a:extLst>
+              <a:ext uri="{28A0092B-C50C-407E-A947-70E740481C1C}">
+                <a14:useLocalDpi xmlns:a14="http://schemas.microsoft.com/office/drawing/2010/main" xmlns:p="http://schemas.openxmlformats.org/presentationml/2006/main" xmlns:r="http://schemas.openxmlformats.org/officeDocument/2006/relationships" xmlns:a="http://schemas.openxmlformats.org/drawingml/2006/main" xmlns="" val="0"/>
+              </a:ext>
+            </a:extLst>
+          </a:blip>
+          <a:srcRect/>
+          <a:stretch>
+            <a:fillRect/>
+          </a:stretch>
+        </p:blipFill>
+        <p:spPr bwMode="auto">
+          <a:xfrm>
+            <a:off x="891746" y="609600"/>
+            <a:ext cx="7315200" cy="5486400"/>
+          </a:xfrm>
+          <a:prstGeom prst="rect">
+            <a:avLst/>
+          </a:prstGeom>
+          <a:noFill/>
+          <a:extLst>
+            <a:ext uri="{909E8E84-426E-40DD-AFC4-6F175D3DCCD1}">
+              <a14:hiddenFill xmlns:a14="http://schemas.microsoft.com/office/drawing/2010/main" xmlns:p="http://schemas.openxmlformats.org/presentationml/2006/main" xmlns:r="http://schemas.openxmlformats.org/officeDocument/2006/relationships" xmlns:a="http://schemas.openxmlformats.org/drawingml/2006/main" xmlns="">
+                <a:solidFill>
+                  <a:srgbClr val="FFFFFF"/>
+                </a:solidFill>
+              </a14:hiddenFill>
+            </a:ext>
+          </a:extLst>
+        </p:spPr>
+      </p:pic>
+    </p:spTree>
+    <p:extLst>
+      <p:ext uri="{BB962C8B-B14F-4D97-AF65-F5344CB8AC3E}">
+        <p14:creationId xmlns:p14="http://schemas.microsoft.com/office/powerpoint/2010/main" xmlns:p="http://schemas.openxmlformats.org/presentationml/2006/main" xmlns:r="http://schemas.openxmlformats.org/officeDocument/2006/relationships" xmlns:a="http://schemas.openxmlformats.org/drawingml/2006/main" xmlns="" val="1365593166"/>
+      </p:ext>
+    </p:extLst>
+  </p:cSld>
+  <p:clrMapOvr>
+    <a:masterClrMapping/>
+  </p:clrMapOvr>
+</p:sld>
+</file>
+
+<file path=ppt/slides/slide11.xml><?xml version="1.0" encoding="utf-8"?>
+<p:sld xmlns:a="http://schemas.openxmlformats.org/drawingml/2006/main" xmlns:r="http://schemas.openxmlformats.org/officeDocument/2006/relationships" xmlns:mc="http://schemas.openxmlformats.org/markup-compatibility/2006" xmlns:mv="urn:schemas-microsoft-com:mac:vml" xmlns:p="http://schemas.openxmlformats.org/presentationml/2006/main" mc:Ignorable="mv" mc:PreserveAttributes="mv:*">
+  <p:cSld>
+    <p:spTree>
+      <p:nvGrpSpPr>
+        <p:cNvPr id="1" name=""/>
+        <p:cNvGrpSpPr/>
+        <p:nvPr/>
+      </p:nvGrpSpPr>
+      <p:grpSpPr>
+        <a:xfrm>
+          <a:off x="0" y="0"/>
+          <a:ext cx="0" cy="0"/>
+          <a:chOff x="0" y="0"/>
+          <a:chExt cx="0" cy="0"/>
+        </a:xfrm>
+      </p:grpSpPr>
       <p:sp>
         <p:nvSpPr>
           <p:cNvPr id="2" name="Title 1"/>
@@ -3666,7 +3679,7 @@
           <a:p>
             <a:r>
               <a:rPr lang="en-US" dirty="0" smtClean="0"/>
-              <a:t>Conclusion</a:t>
+              <a:t>Result</a:t>
             </a:r>
             <a:endParaRPr lang="en-US" dirty="0"/>
           </a:p>
@@ -3728,8 +3741,8 @@
         </p:nvSpPr>
         <p:spPr>
           <a:xfrm>
-            <a:off x="914400" y="3352800"/>
-            <a:ext cx="7315200" cy="954107"/>
+            <a:off x="914400" y="2895600"/>
+            <a:ext cx="7315200" cy="1077218"/>
           </a:xfrm>
           <a:prstGeom prst="rect">
             <a:avLst/>
@@ -3743,10 +3756,10 @@
           <a:lstStyle/>
           <a:p>
             <a:r>
-              <a:rPr lang="en-US" sz="2800" dirty="0" smtClean="0"/>
-              <a:t>This is close, but not in great agreement with the literature value given below.</a:t>
-            </a:r>
-            <a:endParaRPr lang="en-US" sz="2800" dirty="0"/>
+              <a:rPr lang="en-US" sz="3200" dirty="0" smtClean="0"/>
+              <a:t>This is close, but not in good agreement with the literature value given below.</a:t>
+            </a:r>
+            <a:endParaRPr lang="en-US" sz="3200" dirty="0"/>
           </a:p>
         </p:txBody>
       </p:sp>
@@ -3758,7 +3771,7 @@
 </p:sld>
 </file>
 
-<file path=ppt/slides/slide11.xml><?xml version="1.0" encoding="utf-8"?>
+<file path=ppt/slides/slide12.xml><?xml version="1.0" encoding="utf-8"?>
 <p:sld xmlns:a="http://schemas.openxmlformats.org/drawingml/2006/main" xmlns:r="http://schemas.openxmlformats.org/officeDocument/2006/relationships" xmlns:mc="http://schemas.openxmlformats.org/markup-compatibility/2006" xmlns:mv="urn:schemas-microsoft-com:mac:vml" xmlns:p="http://schemas.openxmlformats.org/presentationml/2006/main" mc:Ignorable="mv" mc:PreserveAttributes="mv:*">
   <p:cSld>
     <p:spTree>
@@ -3777,106 +3790,187 @@
       </p:grpSpPr>
       <p:sp>
         <p:nvSpPr>
-          <p:cNvPr id="4" name="Rectangle 3"/>
-          <p:cNvSpPr/>
-          <p:nvPr/>
-        </p:nvSpPr>
-        <p:spPr>
-          <a:xfrm>
-            <a:off x="533400" y="762000"/>
-            <a:ext cx="8077200" cy="5509200"/>
-          </a:xfrm>
-          <a:prstGeom prst="rect">
-            <a:avLst/>
-          </a:prstGeom>
-        </p:spPr>
-        <p:txBody>
-          <a:bodyPr wrap="square">
-            <a:spAutoFit/>
+          <p:cNvPr id="2" name="Title 1"/>
+          <p:cNvSpPr>
+            <a:spLocks noGrp="1"/>
+          </p:cNvSpPr>
+          <p:nvPr>
+            <p:ph type="title"/>
+          </p:nvPr>
+        </p:nvSpPr>
+        <p:spPr/>
+        <p:txBody>
+          <a:bodyPr/>
+          <a:lstStyle/>
+          <a:p>
+            <a:r>
+              <a:rPr lang="en-US" dirty="0" smtClean="0"/>
+              <a:t>Conclusion</a:t>
+            </a:r>
+            <a:endParaRPr lang="en-US" dirty="0"/>
+          </a:p>
+        </p:txBody>
+      </p:sp>
+      <p:sp>
+        <p:nvSpPr>
+          <p:cNvPr id="3" name="Content Placeholder 2"/>
+          <p:cNvSpPr>
+            <a:spLocks noGrp="1"/>
+          </p:cNvSpPr>
+          <p:nvPr>
+            <p:ph idx="1"/>
+          </p:nvPr>
+        </p:nvSpPr>
+        <p:spPr/>
+        <p:txBody>
+          <a:bodyPr/>
+          <a:lstStyle/>
+          <a:p>
+            <a:r>
+              <a:rPr lang="en-US" dirty="0" smtClean="0"/>
+              <a:t>O</a:t>
+            </a:r>
+            <a:r>
+              <a:rPr lang="en-US" dirty="0" smtClean="0"/>
+              <a:t>ur </a:t>
+            </a:r>
+            <a:r>
+              <a:rPr lang="en-US" dirty="0" smtClean="0"/>
+              <a:t>data and fits show the Compton relation </a:t>
+            </a:r>
+            <a:r>
+              <a:rPr lang="en-US" dirty="0" smtClean="0"/>
+              <a:t>well</a:t>
+            </a:r>
+          </a:p>
+          <a:p>
+            <a:r>
+              <a:rPr lang="en-US" dirty="0" smtClean="0"/>
+              <a:t>Our biggest</a:t>
+            </a:r>
+            <a:r>
+              <a:rPr lang="en-US" dirty="0" smtClean="0"/>
+              <a:t> source of uncertainty is </a:t>
+            </a:r>
+            <a:r>
+              <a:rPr lang="en-US" dirty="0" smtClean="0"/>
+              <a:t>the systematic </a:t>
+            </a:r>
+            <a:r>
+              <a:rPr lang="en-US" dirty="0" smtClean="0"/>
+              <a:t>lower than expected </a:t>
+            </a:r>
+            <a:r>
+              <a:rPr lang="en-US" dirty="0" smtClean="0"/>
+              <a:t>energy measurements, as can be seen in our final </a:t>
+            </a:r>
+            <a:r>
+              <a:rPr lang="en-US" dirty="0" smtClean="0"/>
+              <a:t>plot</a:t>
+            </a:r>
+          </a:p>
+          <a:p>
+            <a:pPr lvl="1"/>
+            <a:r>
+              <a:rPr lang="en-US" dirty="0" smtClean="0"/>
+              <a:t>This could be simply due to energy loss somewhere in the apparatus before the quantification of photon energy is done. </a:t>
+            </a:r>
+            <a:endParaRPr lang="en-US" dirty="0"/>
+          </a:p>
+        </p:txBody>
+      </p:sp>
+    </p:spTree>
+  </p:cSld>
+  <p:clrMapOvr>
+    <a:masterClrMapping/>
+  </p:clrMapOvr>
+</p:sld>
+</file>
+
+<file path=ppt/slides/slide13.xml><?xml version="1.0" encoding="utf-8"?>
+<p:sld xmlns:a="http://schemas.openxmlformats.org/drawingml/2006/main" xmlns:r="http://schemas.openxmlformats.org/officeDocument/2006/relationships" xmlns:mc="http://schemas.openxmlformats.org/markup-compatibility/2006" xmlns:mv="urn:schemas-microsoft-com:mac:vml" xmlns:p="http://schemas.openxmlformats.org/presentationml/2006/main" mc:Ignorable="mv" mc:PreserveAttributes="mv:*">
+  <p:cSld>
+    <p:spTree>
+      <p:nvGrpSpPr>
+        <p:cNvPr id="1" name=""/>
+        <p:cNvGrpSpPr/>
+        <p:nvPr/>
+      </p:nvGrpSpPr>
+      <p:grpSpPr>
+        <a:xfrm>
+          <a:off x="0" y="0"/>
+          <a:ext cx="0" cy="0"/>
+          <a:chOff x="0" y="0"/>
+          <a:chExt cx="0" cy="0"/>
+        </a:xfrm>
+      </p:grpSpPr>
+      <p:sp>
+        <p:nvSpPr>
+          <p:cNvPr id="2" name="Title 1"/>
+          <p:cNvSpPr>
+            <a:spLocks noGrp="1"/>
+          </p:cNvSpPr>
+          <p:nvPr>
+            <p:ph type="title"/>
+          </p:nvPr>
+        </p:nvSpPr>
+        <p:spPr/>
+        <p:txBody>
+          <a:bodyPr/>
+          <a:lstStyle/>
+          <a:p>
+            <a:r>
+              <a:rPr lang="en-US" dirty="0" smtClean="0"/>
+              <a:t>References</a:t>
+            </a:r>
+            <a:endParaRPr lang="en-US" dirty="0"/>
+          </a:p>
+        </p:txBody>
+      </p:sp>
+      <p:sp>
+        <p:nvSpPr>
+          <p:cNvPr id="3" name="Content Placeholder 2"/>
+          <p:cNvSpPr>
+            <a:spLocks noGrp="1"/>
+          </p:cNvSpPr>
+          <p:nvPr>
+            <p:ph idx="1"/>
+          </p:nvPr>
+        </p:nvSpPr>
+        <p:spPr/>
+        <p:txBody>
+          <a:bodyPr>
+            <a:normAutofit/>
           </a:bodyPr>
           <a:lstStyle/>
           <a:p>
             <a:r>
-              <a:rPr lang="en-US" sz="2800" dirty="0" smtClean="0"/>
-              <a:t> </a:t>
-            </a:r>
-            <a:r>
-              <a:rPr lang="en-US" sz="3200" dirty="0" smtClean="0"/>
-              <a:t>We conclude that our data and</a:t>
-            </a:r>
-            <a:r>
-              <a:rPr lang="en-US" sz="3200" dirty="0" smtClean="0"/>
-              <a:t> fits </a:t>
-            </a:r>
-            <a:r>
-              <a:rPr lang="en-US" sz="3200" dirty="0" smtClean="0"/>
-              <a:t>show the Compton relation well.</a:t>
-            </a:r>
-            <a:r>
-              <a:rPr lang="en-US" sz="3200" dirty="0" smtClean="0"/>
-              <a:t> Our </a:t>
-            </a:r>
-            <a:r>
-              <a:rPr lang="en-US" sz="3200" dirty="0" smtClean="0"/>
-              <a:t>biggest issue seems to be </a:t>
-            </a:r>
-            <a:r>
-              <a:rPr lang="en-US" sz="3200" dirty="0" smtClean="0"/>
-              <a:t>the systematic </a:t>
-            </a:r>
-            <a:r>
-              <a:rPr lang="en-US" sz="3200" dirty="0" smtClean="0"/>
-              <a:t>lower-than-actual energy measurements, as can be seen in our</a:t>
-            </a:r>
-            <a:r>
-              <a:rPr lang="en-US" sz="3200" dirty="0" smtClean="0"/>
-              <a:t> final </a:t>
-            </a:r>
-            <a:r>
-              <a:rPr lang="en-US" sz="3200" dirty="0" smtClean="0"/>
-              <a:t>plot. This could be simply due to energy </a:t>
-            </a:r>
-            <a:r>
-              <a:rPr lang="en-US" sz="3200" dirty="0" smtClean="0"/>
-              <a:t>loss somewhere </a:t>
-            </a:r>
-            <a:r>
-              <a:rPr lang="en-US" sz="3200" dirty="0" smtClean="0"/>
-              <a:t>in the apparatus before the </a:t>
-            </a:r>
-            <a:r>
-              <a:rPr lang="en-US" sz="3200" dirty="0" smtClean="0"/>
-              <a:t>quantification </a:t>
-            </a:r>
-            <a:r>
-              <a:rPr lang="en-US" sz="3200" dirty="0" smtClean="0"/>
-              <a:t>of photon energy is done. Overall, our data agrees well with </a:t>
-            </a:r>
-            <a:r>
-              <a:rPr lang="en-US" sz="3200" dirty="0" smtClean="0"/>
-              <a:t>the expected </a:t>
-            </a:r>
-            <a:r>
-              <a:rPr lang="en-US" sz="3200" dirty="0" smtClean="0"/>
-              <a:t>relationship from the Compton scattering formula, but is not useful for extracting</a:t>
-            </a:r>
-            <a:r>
-              <a:rPr lang="en-US" sz="3200" dirty="0" smtClean="0"/>
-              <a:t> fine </a:t>
-            </a:r>
-            <a:r>
-              <a:rPr lang="en-US" sz="3200" dirty="0" smtClean="0"/>
-              <a:t>constants such as </a:t>
-            </a:r>
-            <a:r>
-              <a:rPr lang="en-US" sz="3200" dirty="0" smtClean="0"/>
-              <a:t>the electron </a:t>
-            </a:r>
-            <a:r>
-              <a:rPr lang="en-US" sz="3200" dirty="0" smtClean="0"/>
-              <a:t>rest mass.</a:t>
-            </a:r>
-            <a:endParaRPr lang="en-US" sz="2800" dirty="0"/>
+              <a:rPr lang="en-US" dirty="0" smtClean="0"/>
+              <a:t>[</a:t>
+            </a:r>
+            <a:r>
+              <a:rPr lang="en-US" dirty="0" smtClean="0"/>
+              <a:t>1] University of Chicago Department of Physics. \Compton Scattering"</a:t>
+            </a:r>
+          </a:p>
+          <a:p>
+            <a:pPr lvl="1"/>
+            <a:r>
+              <a:rPr lang="en-US" dirty="0" smtClean="0"/>
+              <a:t>https://wiki.uchicago.edu/display/P211manuals/Compton+Scattering. (</a:t>
+            </a:r>
+            <a:r>
+              <a:rPr lang="en-US" dirty="0" smtClean="0"/>
+              <a:t>Accessed 4/20/16)</a:t>
+            </a:r>
+            <a:endParaRPr lang="en-US" dirty="0" smtClean="0"/>
+          </a:p>
+          <a:p>
+            <a:r>
+              <a:rPr lang="en-US" dirty="0" smtClean="0"/>
+              <a:t>[2] Taylor, John. An Introduction to Error Analysis. Sausalito: University Science Books, 1997.</a:t>
+            </a:r>
+            <a:endParaRPr lang="en-US" dirty="0"/>
           </a:p>
         </p:txBody>
       </p:sp>
@@ -3940,25 +4034,27 @@
         </p:nvSpPr>
         <p:spPr/>
         <p:txBody>
-          <a:bodyPr/>
+          <a:bodyPr>
+            <a:normAutofit/>
+          </a:bodyPr>
           <a:lstStyle/>
           <a:p>
             <a:pPr>
               <a:buNone/>
             </a:pPr>
             <a:r>
-              <a:rPr lang="en-US" dirty="0" smtClean="0"/>
-              <a:t>	To show how the energy of Compton-scattered photons depends on the angle of scattering. Specifically, we tested the validity of the Compton equation for Cs-137 and using an aluminum </a:t>
-            </a:r>
-            <a:r>
-              <a:rPr lang="en-US" dirty="0" err="1" smtClean="0"/>
+              <a:rPr lang="en-US" sz="4000" dirty="0" smtClean="0"/>
+              <a:t>	To show how the energy of Compton-scattered photons depends on the angle of scattering. Specifically, we tested the validity of the Compton equation for Cs-137, using an aluminum </a:t>
+            </a:r>
+            <a:r>
+              <a:rPr lang="en-US" sz="4000" dirty="0" err="1" smtClean="0"/>
               <a:t>scatterer</a:t>
             </a:r>
             <a:r>
-              <a:rPr lang="en-US" dirty="0" smtClean="0"/>
+              <a:rPr lang="en-US" sz="4000" dirty="0" smtClean="0"/>
               <a:t>.</a:t>
             </a:r>
-            <a:endParaRPr lang="en-US" dirty="0"/>
+            <a:endParaRPr lang="en-US" sz="4000" dirty="0"/>
           </a:p>
         </p:txBody>
       </p:sp>
@@ -4038,13 +4134,23 @@
             </a:r>
             <a:r>
               <a:rPr lang="en-US" sz="3600" dirty="0" smtClean="0"/>
-              <a:t>Our setup consists of a pair of radioactive Caesium-137 sources housed in a radio-insulating box with a narrow opening.</a:t>
-            </a:r>
-          </a:p>
-          <a:p>
+              <a:t>Our setup </a:t>
+            </a:r>
             <a:r>
               <a:rPr lang="en-US" sz="3600" dirty="0" smtClean="0"/>
-              <a:t>These produce gamma rays at 662 </a:t>
+              <a:t>consisted </a:t>
+            </a:r>
+            <a:r>
+              <a:rPr lang="en-US" sz="3600" dirty="0" smtClean="0"/>
+              <a:t>of a pair of radioactive Caesium-137 sources housed in a radio-insulating box with a narrow </a:t>
+            </a:r>
+            <a:r>
+              <a:rPr lang="en-US" sz="3600" dirty="0" smtClean="0"/>
+              <a:t>opening. These </a:t>
+            </a:r>
+            <a:r>
+              <a:rPr lang="en-US" sz="3600" dirty="0" smtClean="0"/>
+              <a:t>produce gamma rays at 662 </a:t>
             </a:r>
             <a:r>
               <a:rPr lang="en-US" sz="3600" dirty="0" err="1" smtClean="0"/>
@@ -4242,6 +4348,116 @@
           <a:chExt cx="0" cy="0"/>
         </a:xfrm>
       </p:grpSpPr>
+      <p:sp>
+        <p:nvSpPr>
+          <p:cNvPr id="2" name="Title 1"/>
+          <p:cNvSpPr>
+            <a:spLocks noGrp="1"/>
+          </p:cNvSpPr>
+          <p:nvPr>
+            <p:ph type="title"/>
+          </p:nvPr>
+        </p:nvSpPr>
+        <p:spPr/>
+        <p:txBody>
+          <a:bodyPr/>
+          <a:lstStyle/>
+          <a:p>
+            <a:r>
+              <a:rPr lang="en-US" dirty="0" smtClean="0"/>
+              <a:t>Error Analysis</a:t>
+            </a:r>
+            <a:endParaRPr lang="en-US" dirty="0"/>
+          </a:p>
+        </p:txBody>
+      </p:sp>
+      <p:sp>
+        <p:nvSpPr>
+          <p:cNvPr id="3" name="Content Placeholder 2"/>
+          <p:cNvSpPr>
+            <a:spLocks noGrp="1"/>
+          </p:cNvSpPr>
+          <p:nvPr>
+            <p:ph idx="1"/>
+          </p:nvPr>
+        </p:nvSpPr>
+        <p:spPr/>
+        <p:txBody>
+          <a:bodyPr/>
+          <a:lstStyle/>
+          <a:p>
+            <a:r>
+              <a:rPr lang="en-US" dirty="0" smtClean="0"/>
+              <a:t>Random error in angle</a:t>
+            </a:r>
+          </a:p>
+          <a:p>
+            <a:r>
+              <a:rPr lang="en-US" dirty="0" smtClean="0"/>
+              <a:t>Largest source of random error is in determining peak </a:t>
+            </a:r>
+            <a:r>
+              <a:rPr lang="en-US" dirty="0" err="1" smtClean="0"/>
+              <a:t>centroids</a:t>
+            </a:r>
+            <a:endParaRPr lang="en-US" dirty="0" smtClean="0"/>
+          </a:p>
+          <a:p>
+            <a:r>
+              <a:rPr lang="en-US" dirty="0" smtClean="0"/>
+              <a:t>Systematic error in energy (</a:t>
+            </a:r>
+            <a:r>
+              <a:rPr lang="en-US" dirty="0" err="1" smtClean="0"/>
+              <a:t>centroids</a:t>
+            </a:r>
+            <a:r>
+              <a:rPr lang="en-US" dirty="0" smtClean="0"/>
+              <a:t>) from PMT needs to be calibrated for</a:t>
+            </a:r>
+          </a:p>
+          <a:p>
+            <a:pPr lvl="1"/>
+            <a:r>
+              <a:rPr lang="en-US" dirty="0" smtClean="0"/>
+              <a:t>Sensitive measurement means calibration needs to be done more than once</a:t>
+            </a:r>
+          </a:p>
+          <a:p>
+            <a:pPr lvl="1"/>
+            <a:r>
+              <a:rPr lang="en-US" dirty="0" smtClean="0"/>
+              <a:t>Use average of calibrations across data</a:t>
+            </a:r>
+            <a:endParaRPr lang="en-US" dirty="0"/>
+          </a:p>
+        </p:txBody>
+      </p:sp>
+    </p:spTree>
+  </p:cSld>
+  <p:clrMapOvr>
+    <a:masterClrMapping/>
+  </p:clrMapOvr>
+</p:sld>
+</file>
+
+<file path=ppt/slides/slide7.xml><?xml version="1.0" encoding="utf-8"?>
+<p:sld xmlns:a="http://schemas.openxmlformats.org/drawingml/2006/main" xmlns:r="http://schemas.openxmlformats.org/officeDocument/2006/relationships" xmlns:mc="http://schemas.openxmlformats.org/markup-compatibility/2006" xmlns:mv="urn:schemas-microsoft-com:mac:vml" xmlns:p="http://schemas.openxmlformats.org/presentationml/2006/main" mc:Ignorable="mv" mc:PreserveAttributes="mv:*">
+  <p:cSld>
+    <p:spTree>
+      <p:nvGrpSpPr>
+        <p:cNvPr id="1" name=""/>
+        <p:cNvGrpSpPr/>
+        <p:nvPr/>
+      </p:nvGrpSpPr>
+      <p:grpSpPr>
+        <a:xfrm>
+          <a:off x="0" y="0"/>
+          <a:ext cx="0" cy="0"/>
+          <a:chOff x="0" y="0"/>
+          <a:chExt cx="0" cy="0"/>
+        </a:xfrm>
+      </p:grpSpPr>
       <p:pic>
         <p:nvPicPr>
           <p:cNvPr id="2050" name="Picture 2" descr="C:\Users\Administrator\Desktop\PHYS211\phys211\Alex\Compton Scattering\plots\cal1.png"/>
@@ -4296,7 +4512,7 @@
 </p:sld>
 </file>
 
-<file path=ppt/slides/slide7.xml><?xml version="1.0" encoding="utf-8"?>
+<file path=ppt/slides/slide8.xml><?xml version="1.0" encoding="utf-8"?>
 <p:sld xmlns:a="http://schemas.openxmlformats.org/drawingml/2006/main" xmlns:r="http://schemas.openxmlformats.org/officeDocument/2006/relationships" xmlns:mc="http://schemas.openxmlformats.org/markup-compatibility/2006" xmlns:mv="urn:schemas-microsoft-com:mac:vml" xmlns:p="http://schemas.openxmlformats.org/presentationml/2006/main" mc:Ignorable="mv" mc:PreserveAttributes="mv:*">
   <p:cSld>
     <p:spTree>
@@ -4367,7 +4583,7 @@
 </p:sld>
 </file>
 
-<file path=ppt/slides/slide8.xml><?xml version="1.0" encoding="utf-8"?>
+<file path=ppt/slides/slide9.xml><?xml version="1.0" encoding="utf-8"?>
 <p:sld xmlns:a="http://schemas.openxmlformats.org/drawingml/2006/main" xmlns:r="http://schemas.openxmlformats.org/officeDocument/2006/relationships" xmlns:mc="http://schemas.openxmlformats.org/markup-compatibility/2006" xmlns:mv="urn:schemas-microsoft-com:mac:vml" xmlns:p="http://schemas.openxmlformats.org/presentationml/2006/main" mc:Ignorable="mv" mc:PreserveAttributes="mv:*">
   <p:cSld>
     <p:spTree>
@@ -4409,77 +4625,6 @@
         </p:spPr>
       </p:pic>
     </p:spTree>
-  </p:cSld>
-  <p:clrMapOvr>
-    <a:masterClrMapping/>
-  </p:clrMapOvr>
-</p:sld>
-</file>
-
-<file path=ppt/slides/slide9.xml><?xml version="1.0" encoding="utf-8"?>
-<p:sld xmlns:a="http://schemas.openxmlformats.org/drawingml/2006/main" xmlns:r="http://schemas.openxmlformats.org/officeDocument/2006/relationships" xmlns:mc="http://schemas.openxmlformats.org/markup-compatibility/2006" xmlns:mv="urn:schemas-microsoft-com:mac:vml" xmlns:p="http://schemas.openxmlformats.org/presentationml/2006/main" mc:Ignorable="mv" mc:PreserveAttributes="mv:*">
-  <p:cSld>
-    <p:spTree>
-      <p:nvGrpSpPr>
-        <p:cNvPr id="1" name=""/>
-        <p:cNvGrpSpPr/>
-        <p:nvPr/>
-      </p:nvGrpSpPr>
-      <p:grpSpPr>
-        <a:xfrm>
-          <a:off x="0" y="0"/>
-          <a:ext cx="0" cy="0"/>
-          <a:chOff x="0" y="0"/>
-          <a:chExt cx="0" cy="0"/>
-        </a:xfrm>
-      </p:grpSpPr>
-      <p:pic>
-        <p:nvPicPr>
-          <p:cNvPr id="4098" name="Picture 2" descr="C:\Users\Administrator\Desktop\PHYS211\phys211\Alex\Compton Scattering\plots\compton_fit.png"/>
-          <p:cNvPicPr>
-            <a:picLocks noChangeAspect="1" noChangeArrowheads="1"/>
-          </p:cNvPicPr>
-          <p:nvPr/>
-        </p:nvPicPr>
-        <p:blipFill>
-          <a:blip r:embed="rId3">
-            <a:extLst>
-              <a:ext uri="{28A0092B-C50C-407E-A947-70E740481C1C}">
-                <a14:useLocalDpi xmlns:a14="http://schemas.microsoft.com/office/drawing/2010/main" xmlns:p="http://schemas.openxmlformats.org/presentationml/2006/main" xmlns:r="http://schemas.openxmlformats.org/officeDocument/2006/relationships" xmlns:a="http://schemas.openxmlformats.org/drawingml/2006/main" xmlns="" val="0"/>
-              </a:ext>
-            </a:extLst>
-          </a:blip>
-          <a:srcRect/>
-          <a:stretch>
-            <a:fillRect/>
-          </a:stretch>
-        </p:blipFill>
-        <p:spPr bwMode="auto">
-          <a:xfrm>
-            <a:off x="891746" y="609600"/>
-            <a:ext cx="7315200" cy="5486400"/>
-          </a:xfrm>
-          <a:prstGeom prst="rect">
-            <a:avLst/>
-          </a:prstGeom>
-          <a:noFill/>
-          <a:extLst>
-            <a:ext uri="{909E8E84-426E-40DD-AFC4-6F175D3DCCD1}">
-              <a14:hiddenFill xmlns:a14="http://schemas.microsoft.com/office/drawing/2010/main" xmlns:p="http://schemas.openxmlformats.org/presentationml/2006/main" xmlns:r="http://schemas.openxmlformats.org/officeDocument/2006/relationships" xmlns:a="http://schemas.openxmlformats.org/drawingml/2006/main" xmlns="">
-                <a:solidFill>
-                  <a:srgbClr val="FFFFFF"/>
-                </a:solidFill>
-              </a14:hiddenFill>
-            </a:ext>
-          </a:extLst>
-        </p:spPr>
-      </p:pic>
-    </p:spTree>
-    <p:extLst>
-      <p:ext uri="{BB962C8B-B14F-4D97-AF65-F5344CB8AC3E}">
-        <p14:creationId xmlns:p14="http://schemas.microsoft.com/office/powerpoint/2010/main" xmlns:p="http://schemas.openxmlformats.org/presentationml/2006/main" xmlns:r="http://schemas.openxmlformats.org/officeDocument/2006/relationships" xmlns:a="http://schemas.openxmlformats.org/drawingml/2006/main" xmlns="" val="1365593166"/>
-      </p:ext>
-    </p:extLst>
   </p:cSld>
   <p:clrMapOvr>
     <a:masterClrMapping/>
@@ -4562,7 +4707,6 @@
         <a:font script="Mong" typeface="Mongolian Baiti"/>
         <a:font script="Viet" typeface="Times New Roman"/>
         <a:font script="Uigh" typeface="Microsoft Uighur"/>
-        <a:font script="Geor" typeface="Sylfaen"/>
       </a:majorFont>
       <a:minorFont>
         <a:latin typeface="Calibri"/>
@@ -4597,7 +4741,6 @@
         <a:font script="Mong" typeface="Mongolian Baiti"/>
         <a:font script="Viet" typeface="Arial"/>
         <a:font script="Uigh" typeface="Microsoft Uighur"/>
-        <a:font script="Geor" typeface="Sylfaen"/>
       </a:minorFont>
     </a:fontScheme>
     <a:fmtScheme name="Office">
@@ -4632,20 +4775,16 @@
           <a:gsLst>
             <a:gs pos="0">
               <a:schemeClr val="phClr">
-                <a:shade val="51000"/>
-                <a:satMod val="130000"/>
-              </a:schemeClr>
-            </a:gs>
-            <a:gs pos="80000">
-              <a:schemeClr val="phClr">
-                <a:shade val="93000"/>
+                <a:tint val="100000"/>
+                <a:shade val="100000"/>
                 <a:satMod val="130000"/>
               </a:schemeClr>
             </a:gs>
             <a:gs pos="100000">
               <a:schemeClr val="phClr">
-                <a:shade val="94000"/>
-                <a:satMod val="135000"/>
+                <a:tint val="50000"/>
+                <a:shade val="100000"/>
+                <a:satMod val="350000"/>
               </a:schemeClr>
             </a:gs>
           </a:gsLst>
@@ -4767,7 +4906,46 @@
       </a:bgFillStyleLst>
     </a:fmtScheme>
   </a:themeElements>
-  <a:objectDefaults/>
+  <a:objectDefaults>
+    <a:spDef>
+      <a:spPr/>
+      <a:bodyPr/>
+      <a:lstStyle/>
+      <a:style>
+        <a:lnRef idx="1">
+          <a:schemeClr val="accent1"/>
+        </a:lnRef>
+        <a:fillRef idx="3">
+          <a:schemeClr val="accent1"/>
+        </a:fillRef>
+        <a:effectRef idx="2">
+          <a:schemeClr val="accent1"/>
+        </a:effectRef>
+        <a:fontRef idx="minor">
+          <a:schemeClr val="lt1"/>
+        </a:fontRef>
+      </a:style>
+    </a:spDef>
+    <a:lnDef>
+      <a:spPr/>
+      <a:bodyPr/>
+      <a:lstStyle/>
+      <a:style>
+        <a:lnRef idx="2">
+          <a:schemeClr val="accent1"/>
+        </a:lnRef>
+        <a:fillRef idx="0">
+          <a:schemeClr val="accent1"/>
+        </a:fillRef>
+        <a:effectRef idx="1">
+          <a:schemeClr val="accent1"/>
+        </a:effectRef>
+        <a:fontRef idx="minor">
+          <a:schemeClr val="tx1"/>
+        </a:fontRef>
+      </a:style>
+    </a:lnDef>
+  </a:objectDefaults>
   <a:extraClrSchemeLst/>
 </a:theme>
 </file>
